--- a/rapport/DS-Projet6-AzimM.pptx
+++ b/rapport/DS-Projet6-AzimM.pptx
@@ -5,10 +5,10 @@
     <p:sldMasterId id="2147483648" r:id="rId1"/>
   </p:sldMasterIdLst>
   <p:notesMasterIdLst>
-    <p:notesMasterId r:id="rId31"/>
+    <p:notesMasterId r:id="rId32"/>
   </p:notesMasterIdLst>
   <p:handoutMasterIdLst>
-    <p:handoutMasterId r:id="rId32"/>
+    <p:handoutMasterId r:id="rId33"/>
   </p:handoutMasterIdLst>
   <p:sldIdLst>
     <p:sldId id="256" r:id="rId2"/>
@@ -29,17 +29,18 @@
     <p:sldId id="318" r:id="rId17"/>
     <p:sldId id="342" r:id="rId18"/>
     <p:sldId id="344" r:id="rId19"/>
-    <p:sldId id="329" r:id="rId20"/>
-    <p:sldId id="358" r:id="rId21"/>
-    <p:sldId id="345" r:id="rId22"/>
-    <p:sldId id="319" r:id="rId23"/>
-    <p:sldId id="328" r:id="rId24"/>
-    <p:sldId id="357" r:id="rId25"/>
-    <p:sldId id="331" r:id="rId26"/>
-    <p:sldId id="332" r:id="rId27"/>
-    <p:sldId id="330" r:id="rId28"/>
-    <p:sldId id="336" r:id="rId29"/>
-    <p:sldId id="355" r:id="rId30"/>
+    <p:sldId id="359" r:id="rId20"/>
+    <p:sldId id="329" r:id="rId21"/>
+    <p:sldId id="358" r:id="rId22"/>
+    <p:sldId id="345" r:id="rId23"/>
+    <p:sldId id="319" r:id="rId24"/>
+    <p:sldId id="328" r:id="rId25"/>
+    <p:sldId id="357" r:id="rId26"/>
+    <p:sldId id="331" r:id="rId27"/>
+    <p:sldId id="332" r:id="rId28"/>
+    <p:sldId id="330" r:id="rId29"/>
+    <p:sldId id="336" r:id="rId30"/>
+    <p:sldId id="355" r:id="rId31"/>
   </p:sldIdLst>
   <p:sldSz cx="24384000" cy="13716000"/>
   <p:notesSz cx="6858000" cy="9144000"/>
@@ -434,7 +435,7 @@
           <a:p>
             <a:fld id="{DF4C8EBE-6B32-8843-896B-954530FB7CBD}" type="datetimeFigureOut">
               <a:rPr lang="fr-FR" smtClean="0"/>
-              <a:t>23/05/2018</a:t>
+              <a:t>25/05/2018</a:t>
             </a:fld>
             <a:endParaRPr lang="fr-FR" dirty="0"/>
           </a:p>
@@ -756,7 +757,23 @@
           <a:p>
             <a:r>
               <a:rPr lang="fr-FR" dirty="0"/>
-              <a:t>Projet 5 : Segmentation des comportements clients.</a:t>
+              <a:t>Projet 6 : Catégorisation automatique des questions </a:t>
+            </a:r>
+            <a:r>
+              <a:rPr lang="fr-FR" dirty="0" err="1"/>
+              <a:t>Stack</a:t>
+            </a:r>
+            <a:r>
+              <a:rPr lang="fr-FR" dirty="0"/>
+              <a:t> </a:t>
+            </a:r>
+            <a:r>
+              <a:rPr lang="fr-FR" dirty="0" err="1"/>
+              <a:t>Overflow</a:t>
+            </a:r>
+            <a:r>
+              <a:rPr lang="fr-FR" dirty="0"/>
+              <a:t>.</a:t>
             </a:r>
           </a:p>
         </p:txBody>
@@ -823,6 +840,308 @@
           <a:bodyPr/>
           <a:lstStyle/>
           <a:p>
+            <a:r>
+              <a:rPr lang="fr-FR" dirty="0"/>
+              <a:t>Comme je le disais, notre démarche consiste à appliquer un algorithme de machine </a:t>
+            </a:r>
+            <a:r>
+              <a:rPr lang="fr-FR" dirty="0" err="1"/>
+              <a:t>learning</a:t>
+            </a:r>
+            <a:r>
+              <a:rPr lang="fr-FR" dirty="0"/>
+              <a:t> pour prédire les tags.</a:t>
+            </a:r>
+          </a:p>
+          <a:p>
+            <a:r>
+              <a:rPr lang="fr-FR" dirty="0"/>
+              <a:t>Nos données d’entrées constituaient par le titre et le corps de la question sont des données textuelles.</a:t>
+            </a:r>
+          </a:p>
+          <a:p>
+            <a:r>
+              <a:rPr lang="fr-FR" dirty="0"/>
+              <a:t>Or les algorithmes de machine </a:t>
+            </a:r>
+            <a:r>
+              <a:rPr lang="fr-FR" dirty="0" err="1"/>
+              <a:t>learning</a:t>
+            </a:r>
+            <a:r>
+              <a:rPr lang="fr-FR" dirty="0"/>
+              <a:t> ne savent pas traiter du texte brut. Ils fonctionnent avec des nombres. </a:t>
+            </a:r>
+          </a:p>
+          <a:p>
+            <a:r>
+              <a:rPr lang="fr-FR" dirty="0"/>
+              <a:t>Il faut donc trouver un moyen de transformer nos données en nombre pour qu’elles soient interprétable par les algorithmes de modélisation. </a:t>
+            </a:r>
+          </a:p>
+          <a:p>
+            <a:r>
+              <a:rPr lang="fr-FR" dirty="0"/>
+              <a:t>C’est ce que nous verrons dans cette section.</a:t>
+            </a:r>
+          </a:p>
+        </p:txBody>
+      </p:sp>
+    </p:spTree>
+    <p:extLst>
+      <p:ext uri="{BB962C8B-B14F-4D97-AF65-F5344CB8AC3E}">
+        <p14:creationId xmlns:p14="http://schemas.microsoft.com/office/powerpoint/2010/main" val="4126607703"/>
+      </p:ext>
+    </p:extLst>
+  </p:cSld>
+  <p:clrMapOvr>
+    <a:masterClrMapping/>
+  </p:clrMapOvr>
+</p:notes>
+</file>
+
+<file path=ppt/notesSlides/notesSlide11.xml><?xml version="1.0" encoding="utf-8"?>
+<p:notes xmlns:a="http://schemas.openxmlformats.org/drawingml/2006/main" xmlns:r="http://schemas.openxmlformats.org/officeDocument/2006/relationships" xmlns:p="http://schemas.openxmlformats.org/presentationml/2006/main">
+  <p:cSld>
+    <p:spTree>
+      <p:nvGrpSpPr>
+        <p:cNvPr id="1" name=""/>
+        <p:cNvGrpSpPr/>
+        <p:nvPr/>
+      </p:nvGrpSpPr>
+      <p:grpSpPr>
+        <a:xfrm>
+          <a:off x="0" y="0"/>
+          <a:ext cx="0" cy="0"/>
+          <a:chOff x="0" y="0"/>
+          <a:chExt cx="0" cy="0"/>
+        </a:xfrm>
+      </p:grpSpPr>
+      <p:sp>
+        <p:nvSpPr>
+          <p:cNvPr id="2" name="Espace réservé de l’image des diapositives 1"/>
+          <p:cNvSpPr>
+            <a:spLocks noGrp="1" noRot="1" noChangeAspect="1"/>
+          </p:cNvSpPr>
+          <p:nvPr>
+            <p:ph type="sldImg"/>
+          </p:nvPr>
+        </p:nvSpPr>
+        <p:spPr>
+          <a:xfrm>
+            <a:off x="381000" y="685800"/>
+            <a:ext cx="6096000" cy="3429000"/>
+          </a:xfrm>
+        </p:spPr>
+      </p:sp>
+      <p:sp>
+        <p:nvSpPr>
+          <p:cNvPr id="3" name="Espace réservé des commentaires 2"/>
+          <p:cNvSpPr>
+            <a:spLocks noGrp="1"/>
+          </p:cNvSpPr>
+          <p:nvPr>
+            <p:ph type="body" idx="1"/>
+          </p:nvPr>
+        </p:nvSpPr>
+        <p:spPr/>
+        <p:txBody>
+          <a:bodyPr/>
+          <a:lstStyle/>
+          <a:p>
+            <a:r>
+              <a:rPr lang="fr-FR" dirty="0"/>
+              <a:t>Une des solutions consiste à passer par une représentation vectorielle du texte.</a:t>
+            </a:r>
+          </a:p>
+          <a:p>
+            <a:endParaRPr lang="fr-FR" dirty="0"/>
+          </a:p>
+          <a:p>
+            <a:r>
+              <a:rPr lang="fr-FR" dirty="0"/>
+              <a:t>Dans notre projet, nous avons utilisé 3 types de représentation : le sac de mots ou Bag of Word, la représentation par N-Gramme et le TF-IDF.</a:t>
+            </a:r>
+          </a:p>
+          <a:p>
+            <a:endParaRPr lang="fr-FR" dirty="0"/>
+          </a:p>
+          <a:p>
+            <a:r>
+              <a:rPr lang="fr-FR" dirty="0"/>
+              <a:t>Le plus simple c’est le bag of </a:t>
+            </a:r>
+            <a:r>
+              <a:rPr lang="fr-FR" dirty="0" err="1"/>
+              <a:t>word</a:t>
+            </a:r>
+            <a:r>
+              <a:rPr lang="fr-FR" dirty="0"/>
+              <a:t>. Le principe est de construire un dictionnaire contenant les mots de notre corpus.</a:t>
+            </a:r>
+          </a:p>
+          <a:p>
+            <a:r>
+              <a:rPr lang="fr-FR" dirty="0"/>
+              <a:t>Puis pour chaque document, </a:t>
+            </a:r>
+            <a:r>
+              <a:rPr lang="fr-FR" dirty="0" err="1"/>
+              <a:t>constuire</a:t>
+            </a:r>
+            <a:r>
+              <a:rPr lang="fr-FR" dirty="0"/>
+              <a:t> un vecteur des occurrences de chacun des mots du dictionnaire dans le document.</a:t>
+            </a:r>
+          </a:p>
+          <a:p>
+            <a:r>
+              <a:rPr lang="fr-FR" dirty="0"/>
+              <a:t>On aura donc pour l’ensemble du corpus une matrice avec en colonne les mots du dictionnaire encore appelé vocabulaire et en ligne chacun des documents.</a:t>
+            </a:r>
+          </a:p>
+          <a:p>
+            <a:r>
+              <a:rPr lang="fr-FR" dirty="0"/>
+              <a:t>Chaque cellule va donner l’occurrence du mot i dans le document J. </a:t>
+            </a:r>
+          </a:p>
+          <a:p>
+            <a:r>
+              <a:rPr lang="fr-FR" dirty="0"/>
+              <a:t>On transforme du texte en matrice de nombre qui sera utilisable par les algorithmes.</a:t>
+            </a:r>
+          </a:p>
+          <a:p>
+            <a:endParaRPr lang="fr-FR" dirty="0"/>
+          </a:p>
+          <a:p>
+            <a:r>
+              <a:rPr lang="fr-FR" dirty="0"/>
+              <a:t>L’autre représentation le le N-Gramme. Même principe que le BOW. Mais au lieu d’avoir un mot dans chaque colonne, on aura des séquences de N-Mots.</a:t>
+            </a:r>
+          </a:p>
+          <a:p>
+            <a:r>
+              <a:rPr lang="fr-FR" dirty="0"/>
+              <a:t>Dans notre projet, nous avons utilisé les bi-gramme, donc séquence de 2 mots. Un exemple dans le slide de bi-gramme</a:t>
+            </a:r>
+          </a:p>
+          <a:p>
+            <a:endParaRPr lang="fr-FR" dirty="0"/>
+          </a:p>
+          <a:p>
+            <a:r>
+              <a:rPr lang="fr-FR" dirty="0"/>
+              <a:t>Enfin, on a également utilisé la représentation TF-IDF. Les représentation précédentes, ont l’inconvénient de </a:t>
+            </a:r>
+            <a:r>
+              <a:rPr lang="fr-FR" dirty="0" err="1"/>
+              <a:t>privéligier</a:t>
+            </a:r>
+            <a:r>
+              <a:rPr lang="fr-FR" dirty="0"/>
+              <a:t> (donner un bon score) aux mots qui apparaissent souvent. Or certains mots parce que trop présent mais ne vaut pas permettre de distinguer les textes. Pour éviter cette situation, TF-IDF va ajouter une pondération.</a:t>
+            </a:r>
+          </a:p>
+          <a:p>
+            <a:pPr marL="0" marR="0" lvl="0" indent="0" defTabSz="457200" eaLnBrk="1" fontAlgn="auto" latinLnBrk="0" hangingPunct="1">
+              <a:lnSpc>
+                <a:spcPct val="117999"/>
+              </a:lnSpc>
+              <a:spcBef>
+                <a:spcPts val="0"/>
+              </a:spcBef>
+              <a:spcAft>
+                <a:spcPts val="0"/>
+              </a:spcAft>
+              <a:buClrTx/>
+              <a:buSzTx/>
+              <a:buFontTx/>
+              <a:buNone/>
+              <a:tabLst/>
+              <a:defRPr/>
+            </a:pPr>
+            <a:r>
+              <a:rPr lang="fr-FR" dirty="0"/>
+              <a:t>Qui  va permettre d’évaluer l’importance d’un terme contenu dans un document relativement aux autres documents. </a:t>
+            </a:r>
+            <a:r>
+              <a:rPr lang="fr-RE" sz="2200" dirty="0">
+                <a:effectLst/>
+                <a:latin typeface="Helvetica Neue"/>
+                <a:ea typeface="Helvetica Neue"/>
+                <a:cs typeface="Helvetica Neue"/>
+                <a:sym typeface="Helvetica Neue"/>
+              </a:rPr>
+              <a:t>elle vise à donner un poids plus important aux termes les moins </a:t>
+            </a:r>
+            <a:r>
+              <a:rPr lang="fr-RE" sz="2200" dirty="0" err="1">
+                <a:effectLst/>
+                <a:latin typeface="Helvetica Neue"/>
+                <a:ea typeface="Helvetica Neue"/>
+                <a:cs typeface="Helvetica Neue"/>
+                <a:sym typeface="Helvetica Neue"/>
+              </a:rPr>
+              <a:t>fréquents</a:t>
+            </a:r>
+            <a:r>
+              <a:rPr lang="fr-RE" sz="2200" dirty="0">
+                <a:effectLst/>
+                <a:latin typeface="Helvetica Neue"/>
+                <a:ea typeface="Helvetica Neue"/>
+                <a:cs typeface="Helvetica Neue"/>
+                <a:sym typeface="Helvetica Neue"/>
+              </a:rPr>
+              <a:t>, </a:t>
+            </a:r>
+            <a:r>
+              <a:rPr lang="fr-RE" sz="2200" dirty="0" err="1">
+                <a:effectLst/>
+                <a:latin typeface="Helvetica Neue"/>
+                <a:ea typeface="Helvetica Neue"/>
+                <a:cs typeface="Helvetica Neue"/>
+                <a:sym typeface="Helvetica Neue"/>
+              </a:rPr>
+              <a:t>considérés</a:t>
+            </a:r>
+            <a:r>
+              <a:rPr lang="fr-RE" sz="2200" dirty="0">
+                <a:effectLst/>
+                <a:latin typeface="Helvetica Neue"/>
+                <a:ea typeface="Helvetica Neue"/>
+                <a:cs typeface="Helvetica Neue"/>
+                <a:sym typeface="Helvetica Neue"/>
+              </a:rPr>
+              <a:t> comme plus discriminants </a:t>
+            </a:r>
+            <a:endParaRPr lang="fr-RE" dirty="0"/>
+          </a:p>
+          <a:p>
+            <a:pPr marL="0" marR="0" lvl="0" indent="0" defTabSz="457200" eaLnBrk="1" fontAlgn="auto" latinLnBrk="0" hangingPunct="1">
+              <a:lnSpc>
+                <a:spcPct val="117999"/>
+              </a:lnSpc>
+              <a:spcBef>
+                <a:spcPts val="0"/>
+              </a:spcBef>
+              <a:spcAft>
+                <a:spcPts val="0"/>
+              </a:spcAft>
+              <a:buClrTx/>
+              <a:buSzTx/>
+              <a:buFontTx/>
+              <a:buNone/>
+              <a:tabLst/>
+              <a:defRPr/>
+            </a:pPr>
+            <a:endParaRPr lang="fr-RE" dirty="0"/>
+          </a:p>
+          <a:p>
+            <a:endParaRPr lang="fr-FR" dirty="0"/>
+          </a:p>
+          <a:p>
             <a:endParaRPr lang="fr-FR" dirty="0"/>
           </a:p>
         </p:txBody>
@@ -840,7 +1159,7 @@
 </p:notes>
 </file>
 
-<file path=ppt/notesSlides/notesSlide11.xml><?xml version="1.0" encoding="utf-8"?>
+<file path=ppt/notesSlides/notesSlide12.xml><?xml version="1.0" encoding="utf-8"?>
 <p:notes xmlns:a="http://schemas.openxmlformats.org/drawingml/2006/main" xmlns:r="http://schemas.openxmlformats.org/officeDocument/2006/relationships" xmlns:p="http://schemas.openxmlformats.org/presentationml/2006/main">
   <p:cSld>
     <p:spTree>
@@ -889,11 +1208,109 @@
           <a:bodyPr/>
           <a:lstStyle/>
           <a:p>
-            <a:pPr marL="342900" indent="-342900">
+            <a:pPr marL="0" indent="0">
               <a:buFont typeface="Symbol" pitchFamily="2" charset="2"/>
-              <a:buChar char="Þ"/>
+              <a:buNone/>
+            </a:pPr>
+            <a:r>
+              <a:rPr lang="fr-FR" dirty="0"/>
+              <a:t>La stratégie que nous avons utilisé pour notre projet.</a:t>
+            </a:r>
+          </a:p>
+          <a:p>
+            <a:pPr marL="0" indent="0">
+              <a:buFont typeface="Symbol" pitchFamily="2" charset="2"/>
+              <a:buNone/>
             </a:pPr>
             <a:endParaRPr lang="fr-FR" dirty="0"/>
+          </a:p>
+          <a:p>
+            <a:pPr marL="0" indent="0">
+              <a:buFont typeface="Symbol" pitchFamily="2" charset="2"/>
+              <a:buNone/>
+            </a:pPr>
+            <a:r>
+              <a:rPr lang="fr-FR" dirty="0"/>
+              <a:t>La 1</a:t>
+            </a:r>
+            <a:r>
+              <a:rPr lang="fr-FR" baseline="30000" dirty="0"/>
+              <a:t>ère</a:t>
+            </a:r>
+            <a:r>
+              <a:rPr lang="fr-FR" dirty="0"/>
+              <a:t> chose c’est que nous avons découpé nos données en 2. Un jeu de données pour entrainer nos algorithmes et 1 jeu de données pour tester et valider la fiabilité de celui ci.</a:t>
+            </a:r>
+          </a:p>
+          <a:p>
+            <a:pPr marL="0" indent="0">
+              <a:buFont typeface="Symbol" pitchFamily="2" charset="2"/>
+              <a:buNone/>
+            </a:pPr>
+            <a:endParaRPr lang="fr-FR" dirty="0"/>
+          </a:p>
+          <a:p>
+            <a:pPr marL="0" indent="0">
+              <a:buFont typeface="Symbol" pitchFamily="2" charset="2"/>
+              <a:buNone/>
+            </a:pPr>
+            <a:r>
+              <a:rPr lang="fr-FR" dirty="0"/>
+              <a:t>Nous avions au total 14 000 tags. Pour réduire la volumétrie de nos données, améliorer performance de nos algorithme et donc leur efficacité, nous avons </a:t>
+            </a:r>
+            <a:r>
+              <a:rPr lang="fr-FR" dirty="0" err="1"/>
+              <a:t>séléctionner</a:t>
+            </a:r>
+            <a:r>
+              <a:rPr lang="fr-FR" dirty="0"/>
+              <a:t> uniquement les tags présents dans au moins 10 documents. Il nous restait après traitement un peu plus de 2100 tags.</a:t>
+            </a:r>
+          </a:p>
+          <a:p>
+            <a:pPr marL="0" indent="0">
+              <a:buFont typeface="Symbol" pitchFamily="2" charset="2"/>
+              <a:buNone/>
+            </a:pPr>
+            <a:endParaRPr lang="fr-FR" dirty="0"/>
+          </a:p>
+          <a:p>
+            <a:pPr marL="0" indent="0">
+              <a:buFont typeface="Symbol" pitchFamily="2" charset="2"/>
+              <a:buNone/>
+            </a:pPr>
+            <a:r>
+              <a:rPr lang="fr-FR" dirty="0"/>
+              <a:t>C’était un moyen d’avoir les tags pertinents.</a:t>
+            </a:r>
+          </a:p>
+          <a:p>
+            <a:pPr marL="0" indent="0">
+              <a:buFont typeface="Symbol" pitchFamily="2" charset="2"/>
+              <a:buNone/>
+            </a:pPr>
+            <a:r>
+              <a:rPr lang="fr-FR" dirty="0"/>
+              <a:t>On a ensuite filtrer notre jeu d’entrainement sur ces tags. </a:t>
+            </a:r>
+          </a:p>
+          <a:p>
+            <a:pPr marL="0" indent="0">
+              <a:buFont typeface="Symbol" pitchFamily="2" charset="2"/>
+              <a:buNone/>
+            </a:pPr>
+            <a:r>
+              <a:rPr lang="fr-FR" dirty="0"/>
+              <a:t>Par de </a:t>
+            </a:r>
+            <a:r>
+              <a:rPr lang="fr-FR" dirty="0" err="1"/>
+              <a:t>fitre</a:t>
+            </a:r>
+            <a:r>
+              <a:rPr lang="fr-FR" dirty="0"/>
+              <a:t> sur le jeu de test pour être proche de la réalité.</a:t>
+            </a:r>
           </a:p>
         </p:txBody>
       </p:sp>
@@ -901,83 +1318,6 @@
     <p:extLst>
       <p:ext uri="{BB962C8B-B14F-4D97-AF65-F5344CB8AC3E}">
         <p14:creationId xmlns:p14="http://schemas.microsoft.com/office/powerpoint/2010/main" val="2684043080"/>
-      </p:ext>
-    </p:extLst>
-  </p:cSld>
-  <p:clrMapOvr>
-    <a:masterClrMapping/>
-  </p:clrMapOvr>
-</p:notes>
-</file>
-
-<file path=ppt/notesSlides/notesSlide12.xml><?xml version="1.0" encoding="utf-8"?>
-<p:notes xmlns:a="http://schemas.openxmlformats.org/drawingml/2006/main" xmlns:r="http://schemas.openxmlformats.org/officeDocument/2006/relationships" xmlns:p="http://schemas.openxmlformats.org/presentationml/2006/main">
-  <p:cSld>
-    <p:spTree>
-      <p:nvGrpSpPr>
-        <p:cNvPr id="1" name=""/>
-        <p:cNvGrpSpPr/>
-        <p:nvPr/>
-      </p:nvGrpSpPr>
-      <p:grpSpPr>
-        <a:xfrm>
-          <a:off x="0" y="0"/>
-          <a:ext cx="0" cy="0"/>
-          <a:chOff x="0" y="0"/>
-          <a:chExt cx="0" cy="0"/>
-        </a:xfrm>
-      </p:grpSpPr>
-      <p:sp>
-        <p:nvSpPr>
-          <p:cNvPr id="2" name="Espace réservé de l’image des diapositives 1"/>
-          <p:cNvSpPr>
-            <a:spLocks noGrp="1" noRot="1" noChangeAspect="1"/>
-          </p:cNvSpPr>
-          <p:nvPr>
-            <p:ph type="sldImg"/>
-          </p:nvPr>
-        </p:nvSpPr>
-        <p:spPr>
-          <a:xfrm>
-            <a:off x="381000" y="685800"/>
-            <a:ext cx="6096000" cy="3429000"/>
-          </a:xfrm>
-        </p:spPr>
-      </p:sp>
-      <p:sp>
-        <p:nvSpPr>
-          <p:cNvPr id="3" name="Espace réservé des commentaires 2"/>
-          <p:cNvSpPr>
-            <a:spLocks noGrp="1"/>
-          </p:cNvSpPr>
-          <p:nvPr>
-            <p:ph type="body" idx="1"/>
-          </p:nvPr>
-        </p:nvSpPr>
-        <p:spPr/>
-        <p:txBody>
-          <a:bodyPr/>
-          <a:lstStyle/>
-          <a:p>
-            <a:r>
-              <a:rPr lang="fr-FR" dirty="0"/>
-              <a:t>Maintenant que nous avons nos catégories de clients, il nous faut trouver un modèle </a:t>
-            </a:r>
-            <a:r>
-              <a:rPr lang="fr-FR" dirty="0" err="1"/>
-              <a:t>cabable</a:t>
-            </a:r>
-            <a:r>
-              <a:rPr lang="fr-FR" dirty="0"/>
-              <a:t> de prédire cette catégorie.</a:t>
-            </a:r>
-          </a:p>
-        </p:txBody>
-      </p:sp>
-    </p:spTree>
-    <p:extLst>
-      <p:ext uri="{BB962C8B-B14F-4D97-AF65-F5344CB8AC3E}">
-        <p14:creationId xmlns:p14="http://schemas.microsoft.com/office/powerpoint/2010/main" val="1460713940"/>
       </p:ext>
     </p:extLst>
   </p:cSld>
@@ -1036,14 +1376,17 @@
           <a:bodyPr/>
           <a:lstStyle/>
           <a:p>
-            <a:endParaRPr lang="fr-FR" dirty="0"/>
+            <a:r>
+              <a:rPr lang="fr-FR" dirty="0"/>
+              <a:t>Les premières approches que nous avons testé ont été des apprentissages non supervisé.</a:t>
+            </a:r>
           </a:p>
         </p:txBody>
       </p:sp>
     </p:spTree>
     <p:extLst>
       <p:ext uri="{BB962C8B-B14F-4D97-AF65-F5344CB8AC3E}">
-        <p14:creationId xmlns:p14="http://schemas.microsoft.com/office/powerpoint/2010/main" val="2874639233"/>
+        <p14:creationId xmlns:p14="http://schemas.microsoft.com/office/powerpoint/2010/main" val="1460713940"/>
       </p:ext>
     </p:extLst>
   </p:cSld>
@@ -1102,14 +1445,64 @@
           <a:bodyPr/>
           <a:lstStyle/>
           <a:p>
-            <a:endParaRPr lang="fr-FR" dirty="0"/>
+            <a:r>
+              <a:rPr lang="fr-FR" dirty="0"/>
+              <a:t>C’est un modèle statistique qui va </a:t>
+            </a:r>
+            <a:r>
+              <a:rPr lang="fr-FR" dirty="0" err="1"/>
+              <a:t>detecter</a:t>
+            </a:r>
+            <a:r>
+              <a:rPr lang="fr-FR" dirty="0"/>
+              <a:t> les sujets (les topics) abordés dans nos document.</a:t>
+            </a:r>
+          </a:p>
+          <a:p>
+            <a:pPr marL="0" marR="0" lvl="0" indent="0" defTabSz="457200" eaLnBrk="1" fontAlgn="auto" latinLnBrk="0" hangingPunct="1">
+              <a:lnSpc>
+                <a:spcPct val="117999"/>
+              </a:lnSpc>
+              <a:spcBef>
+                <a:spcPts val="0"/>
+              </a:spcBef>
+              <a:spcAft>
+                <a:spcPts val="0"/>
+              </a:spcAft>
+              <a:buClrTx/>
+              <a:buSzTx/>
+              <a:buFontTx/>
+              <a:buNone/>
+              <a:tabLst/>
+              <a:defRPr/>
+            </a:pPr>
+            <a:r>
+              <a:rPr lang="fr-FR" dirty="0" err="1"/>
+              <a:t>Cest</a:t>
+            </a:r>
+            <a:r>
+              <a:rPr lang="fr-FR" dirty="0"/>
+              <a:t> un modèle d’apprentissage non supervisé qui va essayer de chercher des patterns dans les documents.</a:t>
+            </a:r>
+          </a:p>
+          <a:p>
+            <a:r>
+              <a:rPr lang="fr-FR" dirty="0"/>
+              <a:t>Un topic est un cluster de mots qui apparaissent dans plusieurs documents. Un topic c’est une fréquence de mots.</a:t>
+            </a:r>
+          </a:p>
+          <a:p>
+            <a:r>
+              <a:rPr lang="fr-FR" dirty="0"/>
+              <a:t>Le modèle va attribuer à chaque document, une distribution des topics. Il va par exemple dire que ce document est 10% sur la religion et 50% sur la politique en observant les mots du documents.</a:t>
+            </a:r>
           </a:p>
         </p:txBody>
       </p:sp>
     </p:spTree>
     <p:extLst>
       <p:ext uri="{BB962C8B-B14F-4D97-AF65-F5344CB8AC3E}">
-        <p14:creationId xmlns:p14="http://schemas.microsoft.com/office/powerpoint/2010/main" val="1019942064"/>
+        <p14:creationId xmlns:p14="http://schemas.microsoft.com/office/powerpoint/2010/main" val="2874639233"/>
       </p:ext>
     </p:extLst>
   </p:cSld>
@@ -1168,14 +1561,67 @@
           <a:bodyPr/>
           <a:lstStyle/>
           <a:p>
+            <a:r>
+              <a:rPr lang="fr-FR" dirty="0"/>
+              <a:t>Le topic </a:t>
+            </a:r>
+            <a:r>
+              <a:rPr lang="fr-FR" dirty="0" err="1"/>
+              <a:t>modeling</a:t>
+            </a:r>
+            <a:r>
+              <a:rPr lang="fr-FR" dirty="0"/>
+              <a:t> utilise comme donnée source une matrice Documents / mots. C’est par exemple le Bag Of </a:t>
+            </a:r>
+            <a:r>
+              <a:rPr lang="fr-FR" dirty="0" err="1"/>
+              <a:t>Words</a:t>
+            </a:r>
+            <a:r>
+              <a:rPr lang="fr-FR" dirty="0"/>
+              <a:t> ou TF-IDF.</a:t>
+            </a:r>
+          </a:p>
+          <a:p>
+            <a:r>
+              <a:rPr lang="fr-FR" dirty="0"/>
+              <a:t>Il va ensuite produire 2 autres matrices. L’une représentant la distribution de mots par topic. Matrice topics / </a:t>
+            </a:r>
+            <a:r>
+              <a:rPr lang="fr-FR" dirty="0" err="1"/>
+              <a:t>Words</a:t>
+            </a:r>
             <a:endParaRPr lang="fr-FR" dirty="0"/>
+          </a:p>
+          <a:p>
+            <a:r>
+              <a:rPr lang="fr-FR" dirty="0"/>
+              <a:t>Et l’autre la </a:t>
+            </a:r>
+            <a:r>
+              <a:rPr lang="fr-FR" dirty="0" err="1"/>
+              <a:t>distribuion</a:t>
+            </a:r>
+            <a:r>
+              <a:rPr lang="fr-FR" dirty="0"/>
+              <a:t> de topics par documents. La matrice Documents / topics.</a:t>
+            </a:r>
+          </a:p>
+          <a:p>
+            <a:endParaRPr lang="fr-FR" dirty="0"/>
+          </a:p>
+          <a:p>
+            <a:r>
+              <a:rPr lang="fr-FR" dirty="0"/>
+              <a:t>On pourra alors déterminer les topics prédominant dans chaque document. Et par rapport au mots associés aux topics essayé de trouver du sens au topic.</a:t>
+            </a:r>
           </a:p>
         </p:txBody>
       </p:sp>
     </p:spTree>
     <p:extLst>
       <p:ext uri="{BB962C8B-B14F-4D97-AF65-F5344CB8AC3E}">
-        <p14:creationId xmlns:p14="http://schemas.microsoft.com/office/powerpoint/2010/main" val="1935831551"/>
+        <p14:creationId xmlns:p14="http://schemas.microsoft.com/office/powerpoint/2010/main" val="1019942064"/>
       </p:ext>
     </p:extLst>
   </p:cSld>
@@ -1234,14 +1680,72 @@
           <a:bodyPr/>
           <a:lstStyle/>
           <a:p>
+            <a:r>
+              <a:rPr lang="fr-FR" dirty="0"/>
+              <a:t>Pour pouvoir ensuite prédire nos tags, on va tout d’abord construire une matrice Topics / Tags.</a:t>
+            </a:r>
+          </a:p>
+          <a:p>
+            <a:r>
+              <a:rPr lang="fr-FR" dirty="0"/>
+              <a:t>Chaque cellule de notre matrice représentation la somme des probabilité d’appartenance au topic i de tous les documents contenant le tag j.</a:t>
+            </a:r>
+          </a:p>
+          <a:p>
+            <a:r>
+              <a:rPr lang="fr-FR" dirty="0"/>
+              <a:t>En gros, on cherche tous les documents ayant le tag j. </a:t>
+            </a:r>
+          </a:p>
+          <a:p>
+            <a:r>
+              <a:rPr lang="fr-FR" dirty="0"/>
+              <a:t>Puis à partir de la matrice topic document, pour un topic donné, on va sommer la probabilité des documents précédents.</a:t>
+            </a:r>
+          </a:p>
+          <a:p>
             <a:endParaRPr lang="fr-FR" dirty="0"/>
+          </a:p>
+          <a:p>
+            <a:r>
+              <a:rPr lang="fr-FR" dirty="0"/>
+              <a:t>On va ensuite se baser sur notre topic </a:t>
+            </a:r>
+            <a:r>
+              <a:rPr lang="fr-FR" dirty="0" err="1"/>
+              <a:t>modeling</a:t>
+            </a:r>
+            <a:r>
+              <a:rPr lang="fr-FR" dirty="0"/>
+              <a:t> pour déterminer la distribution des topics pour une question donnée.</a:t>
+            </a:r>
+          </a:p>
+          <a:p>
+            <a:r>
+              <a:rPr lang="fr-FR" dirty="0"/>
+              <a:t>En multipliant ce vecteur par la matrice on obtient une distribution des tags.</a:t>
+            </a:r>
+          </a:p>
+          <a:p>
+            <a:r>
+              <a:rPr lang="fr-FR" dirty="0"/>
+              <a:t>On pourra alors </a:t>
+            </a:r>
+            <a:r>
+              <a:rPr lang="fr-FR" dirty="0" err="1"/>
+              <a:t>séléctionner</a:t>
+            </a:r>
+            <a:r>
+              <a:rPr lang="fr-FR" dirty="0"/>
+              <a:t> les N tags ayant le score le plus forts, donc les plus pertinents.</a:t>
+            </a:r>
           </a:p>
         </p:txBody>
       </p:sp>
     </p:spTree>
     <p:extLst>
       <p:ext uri="{BB962C8B-B14F-4D97-AF65-F5344CB8AC3E}">
-        <p14:creationId xmlns:p14="http://schemas.microsoft.com/office/powerpoint/2010/main" val="2732165589"/>
+        <p14:creationId xmlns:p14="http://schemas.microsoft.com/office/powerpoint/2010/main" val="1935831551"/>
       </p:ext>
     </p:extLst>
   </p:cSld>
@@ -1302,7 +1806,162 @@
           <a:p>
             <a:r>
               <a:rPr lang="fr-FR" dirty="0"/>
-              <a:t>Voyons maintenant les résultats obtenus</a:t>
+              <a:t>Nous avons implémenté 2 algorithmes de Topic M. </a:t>
+            </a:r>
+          </a:p>
+          <a:p>
+            <a:endParaRPr lang="fr-FR" dirty="0"/>
+          </a:p>
+          <a:p>
+            <a:r>
+              <a:rPr lang="fr-FR" dirty="0"/>
+              <a:t>Le LDA est l’</a:t>
+            </a:r>
+            <a:r>
+              <a:rPr lang="fr-FR" dirty="0" err="1"/>
+              <a:t>algo</a:t>
+            </a:r>
+            <a:r>
+              <a:rPr lang="fr-FR" dirty="0"/>
+              <a:t> de facto. C’est un modèle probabiliste qui fonctionne par itération. </a:t>
+            </a:r>
+          </a:p>
+          <a:p>
+            <a:r>
+              <a:rPr lang="fr-FR" dirty="0"/>
+              <a:t>Nous avons utilisé la matrice BOW en entrée et la recherche sur grille et la validation croisée</a:t>
+            </a:r>
+          </a:p>
+          <a:p>
+            <a:r>
+              <a:rPr lang="fr-FR" dirty="0"/>
+              <a:t>Pour tuner l’algorithme. On a notamment jouer sur les hyper-</a:t>
+            </a:r>
+            <a:r>
+              <a:rPr lang="fr-FR" dirty="0" err="1"/>
+              <a:t>paramètrr</a:t>
+            </a:r>
+            <a:r>
+              <a:rPr lang="fr-FR" dirty="0"/>
+              <a:t> Min et Max.</a:t>
+            </a:r>
+          </a:p>
+          <a:p>
+            <a:r>
+              <a:rPr lang="fr-FR" dirty="0"/>
+              <a:t>Min DF = Nombre minium de document dans </a:t>
+            </a:r>
+            <a:r>
+              <a:rPr lang="fr-FR" dirty="0" err="1"/>
+              <a:t>lesquel</a:t>
+            </a:r>
+            <a:r>
+              <a:rPr lang="fr-FR" dirty="0"/>
+              <a:t> le mot doit être présent pour faire partie du vocabulaire</a:t>
+            </a:r>
+          </a:p>
+          <a:p>
+            <a:r>
+              <a:rPr lang="fr-FR" dirty="0"/>
+              <a:t>Max DF = la même chose pour maximum de doc. Si le mot est présent dans plus de doc, on ne le garde pas.</a:t>
+            </a:r>
+          </a:p>
+          <a:p>
+            <a:r>
+              <a:rPr lang="fr-FR" dirty="0"/>
+              <a:t>Les </a:t>
+            </a:r>
+            <a:r>
+              <a:rPr lang="fr-FR" dirty="0" err="1"/>
+              <a:t>algo</a:t>
+            </a:r>
+            <a:r>
+              <a:rPr lang="fr-FR" dirty="0"/>
+              <a:t> de Topic </a:t>
+            </a:r>
+            <a:r>
+              <a:rPr lang="fr-FR" dirty="0" err="1"/>
+              <a:t>Modeling</a:t>
+            </a:r>
+            <a:r>
+              <a:rPr lang="fr-FR" dirty="0"/>
+              <a:t> ne savent pas déterminer automatiquement le nombre de topics à découvrir. Il faut donc leur fournir ce paramètre. </a:t>
+            </a:r>
+          </a:p>
+          <a:p>
+            <a:r>
+              <a:rPr lang="fr-FR" dirty="0"/>
+              <a:t>C’est aussi un </a:t>
+            </a:r>
+            <a:r>
+              <a:rPr lang="fr-FR" dirty="0" err="1"/>
+              <a:t>param</a:t>
+            </a:r>
+            <a:r>
+              <a:rPr lang="fr-FR" dirty="0"/>
+              <a:t> que nous avons </a:t>
+            </a:r>
+            <a:r>
+              <a:rPr lang="fr-FR" dirty="0" err="1"/>
+              <a:t>tuné</a:t>
+            </a:r>
+            <a:r>
+              <a:rPr lang="fr-FR" dirty="0"/>
+              <a:t>. </a:t>
+            </a:r>
+          </a:p>
+          <a:p>
+            <a:endParaRPr lang="fr-FR" dirty="0"/>
+          </a:p>
+          <a:p>
+            <a:r>
+              <a:rPr lang="fr-FR" dirty="0"/>
+              <a:t>Ensuite nous avons testé le </a:t>
+            </a:r>
+            <a:r>
+              <a:rPr lang="fr-FR" dirty="0" err="1"/>
+              <a:t>NMFqui</a:t>
+            </a:r>
+            <a:r>
+              <a:rPr lang="fr-FR" dirty="0"/>
+              <a:t> va chercher 2 matrices (contenant que valeur </a:t>
+            </a:r>
+            <a:r>
+              <a:rPr lang="fr-FR" dirty="0" err="1"/>
+              <a:t>positve</a:t>
+            </a:r>
+            <a:r>
+              <a:rPr lang="fr-FR" dirty="0"/>
+              <a:t> ou nulle) dont le produit approche X.</a:t>
+            </a:r>
+          </a:p>
+          <a:p>
+            <a:r>
+              <a:rPr lang="fr-FR" dirty="0"/>
+              <a:t>La </a:t>
+            </a:r>
+            <a:r>
+              <a:rPr lang="fr-FR" dirty="0" err="1"/>
+              <a:t>premi!re</a:t>
+            </a:r>
+            <a:r>
+              <a:rPr lang="fr-FR" dirty="0"/>
+              <a:t> matrice sera la matrice Topics/Mots et l’autre Document / Topics</a:t>
+            </a:r>
+          </a:p>
+          <a:p>
+            <a:endParaRPr lang="fr-FR" dirty="0"/>
+          </a:p>
+          <a:p>
+            <a:r>
+              <a:rPr lang="fr-FR" dirty="0"/>
+              <a:t>Pour évaluer nos algorithme, nous avons calculé un score qui ressemble à un rappel sur les données de validation.</a:t>
+            </a:r>
+          </a:p>
+          <a:p>
+            <a:r>
+              <a:rPr lang="fr-FR" dirty="0"/>
+              <a:t> On fait une moyenne du rapport entre le nb de tags correctement prédit sur le nb total de tags réel dans le jeu de validation.</a:t>
             </a:r>
           </a:p>
         </p:txBody>
@@ -1310,7 +1969,7 @@
     </p:spTree>
     <p:extLst>
       <p:ext uri="{BB962C8B-B14F-4D97-AF65-F5344CB8AC3E}">
-        <p14:creationId xmlns:p14="http://schemas.microsoft.com/office/powerpoint/2010/main" val="1964563186"/>
+        <p14:creationId xmlns:p14="http://schemas.microsoft.com/office/powerpoint/2010/main" val="2732165589"/>
       </p:ext>
     </p:extLst>
   </p:cSld>
@@ -1356,7 +2015,7 @@
       </p:sp>
       <p:sp>
         <p:nvSpPr>
-          <p:cNvPr id="3" name="Espace réservé des commentaires 2"/>
+          <p:cNvPr id="3" name="Espace réservé des notes 2"/>
           <p:cNvSpPr>
             <a:spLocks noGrp="1"/>
           </p:cNvSpPr>
@@ -1369,14 +2028,29 @@
           <a:bodyPr/>
           <a:lstStyle/>
           <a:p>
-            <a:endParaRPr lang="fr-FR" dirty="0"/>
+            <a:r>
+              <a:rPr lang="fr-FR" dirty="0"/>
+              <a:t>On voit ici par exemple les mots prédominants pour chaque topic. On peut donner du sens à chacun exemple : le 5 fait penser à </a:t>
+            </a:r>
+            <a:r>
+              <a:rPr lang="fr-FR" dirty="0" err="1"/>
+              <a:t>Angular</a:t>
+            </a:r>
+            <a:r>
+              <a:rPr lang="fr-FR" dirty="0"/>
+              <a:t>, le 4 à .</a:t>
+            </a:r>
+            <a:r>
+              <a:rPr lang="fr-FR"/>
+              <a:t>Net Microsoft, le 0 à PHP</a:t>
+            </a:r>
           </a:p>
         </p:txBody>
       </p:sp>
     </p:spTree>
     <p:extLst>
       <p:ext uri="{BB962C8B-B14F-4D97-AF65-F5344CB8AC3E}">
-        <p14:creationId xmlns:p14="http://schemas.microsoft.com/office/powerpoint/2010/main" val="2849968613"/>
+        <p14:creationId xmlns:p14="http://schemas.microsoft.com/office/powerpoint/2010/main" val="4050222496"/>
       </p:ext>
     </p:extLst>
   </p:cSld>
@@ -1435,139 +2109,17 @@
           <a:bodyPr/>
           <a:lstStyle/>
           <a:p>
-            <a:pPr marL="342900" indent="-342900">
-              <a:buFont typeface="Arial" panose="020B0604020202020204" pitchFamily="34" charset="0"/>
-              <a:buChar char="•"/>
-            </a:pPr>
             <a:r>
               <a:rPr lang="fr-FR" dirty="0"/>
-              <a:t>Le tableau ici affiche les algorithmes de classification que nous avons testés ainsi que les hyper-paramètres qui ont été </a:t>
-            </a:r>
-            <a:r>
-              <a:rPr lang="fr-FR" dirty="0" err="1"/>
-              <a:t>tuné</a:t>
-            </a:r>
-            <a:r>
-              <a:rPr lang="fr-FR" dirty="0"/>
-              <a:t> pour chacun.</a:t>
-            </a:r>
-          </a:p>
-          <a:p>
-            <a:pPr marL="342900" indent="-342900">
-              <a:buFont typeface="Arial" panose="020B0604020202020204" pitchFamily="34" charset="0"/>
-              <a:buChar char="•"/>
-            </a:pPr>
-            <a:endParaRPr lang="fr-FR" dirty="0"/>
-          </a:p>
-          <a:p>
-            <a:pPr marL="342900" indent="-342900">
-              <a:buFont typeface="Arial" panose="020B0604020202020204" pitchFamily="34" charset="0"/>
-              <a:buChar char="•"/>
-            </a:pPr>
-            <a:r>
-              <a:rPr lang="fr-FR" dirty="0"/>
-              <a:t>SVM : le principe est de séparer linéairement les données</a:t>
-            </a:r>
-          </a:p>
-          <a:p>
-            <a:pPr marL="342900" indent="-342900">
-              <a:buFont typeface="Arial" panose="020B0604020202020204" pitchFamily="34" charset="0"/>
-              <a:buChar char="•"/>
-            </a:pPr>
-            <a:r>
-              <a:rPr lang="fr-FR" dirty="0"/>
-              <a:t>Régression logistique : se base sur la probabilité qu’une observation </a:t>
-            </a:r>
-            <a:r>
-              <a:rPr lang="fr-FR" dirty="0" err="1"/>
-              <a:t>appartienent</a:t>
-            </a:r>
-            <a:r>
-              <a:rPr lang="fr-FR" dirty="0"/>
-              <a:t> à un classe ou pas.</a:t>
-            </a:r>
-          </a:p>
-          <a:p>
-            <a:pPr marL="342900" indent="-342900">
-              <a:buFont typeface="Arial" panose="020B0604020202020204" pitchFamily="34" charset="0"/>
-              <a:buChar char="•"/>
-            </a:pPr>
-            <a:r>
-              <a:rPr lang="fr-FR" dirty="0"/>
-              <a:t>Arbre de décision : se base sur un ensemble de critère qui servent à partitionner nos données</a:t>
-            </a:r>
-          </a:p>
-          <a:p>
-            <a:pPr marL="342900" indent="-342900">
-              <a:buFont typeface="Arial" panose="020B0604020202020204" pitchFamily="34" charset="0"/>
-              <a:buChar char="•"/>
-            </a:pPr>
-            <a:r>
-              <a:rPr lang="fr-FR" dirty="0"/>
-              <a:t>KNN : prend en compte les échantillons les plus proches pour définir la classe de notre observation</a:t>
-            </a:r>
-          </a:p>
-          <a:p>
-            <a:pPr marL="342900" indent="-342900">
-              <a:buFont typeface="Arial" panose="020B0604020202020204" pitchFamily="34" charset="0"/>
-              <a:buChar char="•"/>
-            </a:pPr>
-            <a:r>
-              <a:rPr lang="fr-FR" dirty="0"/>
-              <a:t>Forêt aléatoire, Gradient </a:t>
-            </a:r>
-            <a:r>
-              <a:rPr lang="fr-FR" dirty="0" err="1"/>
-              <a:t>Boosting</a:t>
-            </a:r>
-            <a:r>
-              <a:rPr lang="fr-FR" dirty="0"/>
-              <a:t> et </a:t>
-            </a:r>
-            <a:r>
-              <a:rPr lang="fr-FR" dirty="0" err="1"/>
-              <a:t>XGBoost</a:t>
-            </a:r>
-            <a:r>
-              <a:rPr lang="fr-FR" dirty="0"/>
-              <a:t> sont des méthodes ensembliste. </a:t>
-            </a:r>
-          </a:p>
-          <a:p>
-            <a:pPr marL="342900" indent="-342900">
-              <a:buFont typeface="Arial" panose="020B0604020202020204" pitchFamily="34" charset="0"/>
-              <a:buChar char="•"/>
-            </a:pPr>
-            <a:r>
-              <a:rPr lang="fr-FR" dirty="0"/>
-              <a:t>Gradient </a:t>
-            </a:r>
-            <a:r>
-              <a:rPr lang="fr-FR" dirty="0" err="1"/>
-              <a:t>Boosting</a:t>
-            </a:r>
-            <a:r>
-              <a:rPr lang="fr-FR" dirty="0"/>
-              <a:t> : arbre, ensembliste, n’est pas parallèle mais séquentiel. On regarde là où l’</a:t>
-            </a:r>
-            <a:r>
-              <a:rPr lang="fr-FR" dirty="0" err="1"/>
-              <a:t>algo</a:t>
-            </a:r>
-            <a:r>
-              <a:rPr lang="fr-FR" dirty="0"/>
-              <a:t> se plante, pour ensuite apprendre</a:t>
-            </a:r>
-          </a:p>
-          <a:p>
-            <a:endParaRPr lang="fr-FR" dirty="0"/>
+              <a:t>Voyons maintenant les approches supervisés.</a:t>
+            </a:r>
           </a:p>
         </p:txBody>
       </p:sp>
     </p:spTree>
     <p:extLst>
       <p:ext uri="{BB962C8B-B14F-4D97-AF65-F5344CB8AC3E}">
-        <p14:creationId xmlns:p14="http://schemas.microsoft.com/office/powerpoint/2010/main" val="2398907823"/>
+        <p14:creationId xmlns:p14="http://schemas.microsoft.com/office/powerpoint/2010/main" val="1964563186"/>
       </p:ext>
     </p:extLst>
   </p:cSld>
@@ -1613,7 +2165,7 @@
       </p:sp>
       <p:sp>
         <p:nvSpPr>
-          <p:cNvPr id="3" name="Espace réservé des commentaires 2"/>
+          <p:cNvPr id="3" name="Espace réservé des notes 2"/>
           <p:cNvSpPr>
             <a:spLocks noGrp="1"/>
           </p:cNvSpPr>
@@ -1626,38 +2178,14 @@
           <a:bodyPr/>
           <a:lstStyle/>
           <a:p>
-            <a:r>
-              <a:rPr lang="fr-FR" dirty="0"/>
-              <a:t>Suggérer automatiquement aux utilisateurs du site Stack Overflow des tags en lien avec leur question.</a:t>
-            </a:r>
-          </a:p>
-          <a:p>
-            <a:r>
-              <a:rPr lang="fr-FR" dirty="0"/>
-              <a:t>Traitement de données textuelles pour les rendre utilisables par l’apprentissage machine.</a:t>
-            </a:r>
-          </a:p>
-          <a:p>
-            <a:r>
-              <a:rPr lang="fr-FR" dirty="0"/>
-              <a:t>Implémentation et évaluation de systèmes de recommandation de tags basés sur des approches supervisés et non supervisés.</a:t>
-            </a:r>
-          </a:p>
-          <a:p>
-            <a:r>
-              <a:rPr lang="fr-FR" dirty="0"/>
-              <a:t>Réalisation d’une interface web de suggestion de tags à partir du contenu d’une question saisie par l’utilisateur.</a:t>
-            </a:r>
-          </a:p>
-          <a:p>
-            <a:endParaRPr lang="fr-FR" baseline="0" dirty="0"/>
+            <a:endParaRPr lang="fr-FR" dirty="0"/>
           </a:p>
         </p:txBody>
       </p:sp>
     </p:spTree>
     <p:extLst>
       <p:ext uri="{BB962C8B-B14F-4D97-AF65-F5344CB8AC3E}">
-        <p14:creationId xmlns:p14="http://schemas.microsoft.com/office/powerpoint/2010/main" val="577765259"/>
+        <p14:creationId xmlns:p14="http://schemas.microsoft.com/office/powerpoint/2010/main" val="1266747296"/>
       </p:ext>
     </p:extLst>
   </p:cSld>
@@ -1716,14 +2244,108 @@
           <a:bodyPr/>
           <a:lstStyle/>
           <a:p>
+            <a:r>
+              <a:rPr lang="fr-FR" dirty="0"/>
+              <a:t>Nous avons une particularité dans ce projet, c’est que nous ne devons pas prédire une valeur pour la variable cible mais plusieurs valeurs.</a:t>
+            </a:r>
+          </a:p>
+          <a:p>
+            <a:r>
+              <a:rPr lang="fr-FR" dirty="0"/>
+              <a:t>Chaque question peut être catégorisé par plusieurs tags.</a:t>
+            </a:r>
+          </a:p>
+          <a:p>
+            <a:r>
+              <a:rPr lang="fr-FR" dirty="0"/>
+              <a:t>On doit donc trouver un </a:t>
+            </a:r>
+            <a:r>
+              <a:rPr lang="fr-FR" dirty="0" err="1"/>
+              <a:t>mapping</a:t>
+            </a:r>
+            <a:r>
+              <a:rPr lang="fr-FR" dirty="0"/>
+              <a:t> en la matrice d’entrée X et un vecteur binaire Y. Nous sommes dans un cas de classification multi label.</a:t>
+            </a:r>
+          </a:p>
+          <a:p>
             <a:endParaRPr lang="fr-FR" dirty="0"/>
+          </a:p>
+          <a:p>
+            <a:r>
+              <a:rPr lang="fr-FR" dirty="0"/>
+              <a:t>Fort heureusement, la </a:t>
+            </a:r>
+            <a:r>
+              <a:rPr lang="fr-FR" dirty="0" err="1"/>
+              <a:t>lbrairie</a:t>
+            </a:r>
+            <a:r>
+              <a:rPr lang="fr-FR" dirty="0"/>
+              <a:t> </a:t>
+            </a:r>
+            <a:r>
+              <a:rPr lang="fr-FR" dirty="0" err="1"/>
+              <a:t>skit</a:t>
+            </a:r>
+            <a:r>
+              <a:rPr lang="fr-FR" dirty="0"/>
+              <a:t> </a:t>
+            </a:r>
+            <a:r>
+              <a:rPr lang="fr-FR" dirty="0" err="1"/>
+              <a:t>learn</a:t>
+            </a:r>
+            <a:r>
+              <a:rPr lang="fr-FR" dirty="0"/>
+              <a:t> implémente le multi-label. </a:t>
+            </a:r>
+          </a:p>
+          <a:p>
+            <a:r>
+              <a:rPr lang="fr-FR" dirty="0"/>
+              <a:t>Il faut dans un premier temps </a:t>
+            </a:r>
+            <a:r>
+              <a:rPr lang="fr-FR" dirty="0" err="1"/>
+              <a:t>binarisé</a:t>
+            </a:r>
+            <a:r>
+              <a:rPr lang="fr-FR" dirty="0"/>
+              <a:t> la variable cible, c’est ce que nous avons fait avec la classe </a:t>
+            </a:r>
+            <a:r>
+              <a:rPr lang="fr-FR" dirty="0" err="1"/>
+              <a:t>MultiLabelBinarizer</a:t>
+            </a:r>
+            <a:r>
+              <a:rPr lang="fr-FR" dirty="0"/>
+              <a:t>.</a:t>
+            </a:r>
+          </a:p>
+          <a:p>
+            <a:r>
+              <a:rPr lang="fr-FR" dirty="0"/>
+              <a:t>Il va créer une matrice avec en colonne chacun des tags et on indiquera par un 1 si le tag i décrit le document et 0 si non.</a:t>
+            </a:r>
+          </a:p>
+          <a:p>
+            <a:r>
+              <a:rPr lang="fr-FR" dirty="0" err="1"/>
+              <a:t>Sklearn</a:t>
+            </a:r>
+            <a:r>
+              <a:rPr lang="fr-FR" dirty="0"/>
+              <a:t> utilise la stratégie One VS REST pour le résultat finale. Elle va entrainer un classifier par classe (par tag) et les combinera pour le résultat final.</a:t>
+            </a:r>
           </a:p>
         </p:txBody>
       </p:sp>
     </p:spTree>
     <p:extLst>
       <p:ext uri="{BB962C8B-B14F-4D97-AF65-F5344CB8AC3E}">
-        <p14:creationId xmlns:p14="http://schemas.microsoft.com/office/powerpoint/2010/main" val="2081452320"/>
+        <p14:creationId xmlns:p14="http://schemas.microsoft.com/office/powerpoint/2010/main" val="2849968613"/>
       </p:ext>
     </p:extLst>
   </p:cSld>
@@ -1782,6 +2404,162 @@
           <a:bodyPr/>
           <a:lstStyle/>
           <a:p>
+            <a:pPr marL="342900" indent="-342900">
+              <a:buFont typeface="Arial" panose="020B0604020202020204" pitchFamily="34" charset="0"/>
+              <a:buChar char="•"/>
+            </a:pPr>
+            <a:r>
+              <a:rPr lang="fr-FR" dirty="0"/>
+              <a:t>Le tableau ici affiche les algorithmes de classification que nous avons testés ainsi que les hyper-paramètres qui ont été </a:t>
+            </a:r>
+            <a:r>
+              <a:rPr lang="fr-FR" dirty="0" err="1"/>
+              <a:t>tuné</a:t>
+            </a:r>
+            <a:r>
+              <a:rPr lang="fr-FR" dirty="0"/>
+              <a:t> pour chacun.</a:t>
+            </a:r>
+          </a:p>
+          <a:p>
+            <a:pPr marL="342900" indent="-342900">
+              <a:buFont typeface="Arial" panose="020B0604020202020204" pitchFamily="34" charset="0"/>
+              <a:buChar char="•"/>
+            </a:pPr>
+            <a:endParaRPr lang="fr-FR" dirty="0"/>
+          </a:p>
+          <a:p>
+            <a:pPr marL="342900" indent="-342900">
+              <a:buFont typeface="Arial" panose="020B0604020202020204" pitchFamily="34" charset="0"/>
+              <a:buChar char="•"/>
+            </a:pPr>
+            <a:r>
+              <a:rPr lang="fr-FR" dirty="0"/>
+              <a:t>SVM : le principe est de séparer linéairement les données</a:t>
+            </a:r>
+          </a:p>
+          <a:p>
+            <a:pPr marL="342900" indent="-342900">
+              <a:buFont typeface="Arial" panose="020B0604020202020204" pitchFamily="34" charset="0"/>
+              <a:buChar char="•"/>
+            </a:pPr>
+            <a:r>
+              <a:rPr lang="fr-FR" dirty="0"/>
+              <a:t>Arbre de décision : se base sur un ensemble de critère qui servent à partitionner nos données</a:t>
+            </a:r>
+          </a:p>
+          <a:p>
+            <a:pPr marL="342900" indent="-342900">
+              <a:buFont typeface="Arial" panose="020B0604020202020204" pitchFamily="34" charset="0"/>
+              <a:buChar char="•"/>
+            </a:pPr>
+            <a:r>
+              <a:rPr lang="fr-FR" dirty="0"/>
+              <a:t>KNN : prend en compte les échantillons les plus proches pour définir la classe de notre observation</a:t>
+            </a:r>
+          </a:p>
+          <a:p>
+            <a:pPr marL="342900" indent="-342900">
+              <a:buFont typeface="Arial" panose="020B0604020202020204" pitchFamily="34" charset="0"/>
+              <a:buChar char="•"/>
+            </a:pPr>
+            <a:r>
+              <a:rPr lang="fr-FR" dirty="0"/>
+              <a:t>Forêt aléatoire, Gradient </a:t>
+            </a:r>
+            <a:r>
+              <a:rPr lang="fr-FR" dirty="0" err="1"/>
+              <a:t>Boosting</a:t>
+            </a:r>
+            <a:r>
+              <a:rPr lang="fr-FR" dirty="0"/>
+              <a:t> et </a:t>
+            </a:r>
+            <a:r>
+              <a:rPr lang="fr-FR" dirty="0" err="1"/>
+              <a:t>XGBoost</a:t>
+            </a:r>
+            <a:r>
+              <a:rPr lang="fr-FR" dirty="0"/>
+              <a:t> sont des méthodes ensembliste. </a:t>
+            </a:r>
+          </a:p>
+          <a:p>
+            <a:pPr marL="342900" indent="-342900">
+              <a:buFont typeface="Arial" panose="020B0604020202020204" pitchFamily="34" charset="0"/>
+              <a:buChar char="•"/>
+            </a:pPr>
+            <a:r>
+              <a:rPr lang="fr-FR" dirty="0"/>
+              <a:t>Gradient </a:t>
+            </a:r>
+            <a:r>
+              <a:rPr lang="fr-FR" dirty="0" err="1"/>
+              <a:t>Boosting</a:t>
+            </a:r>
+            <a:r>
+              <a:rPr lang="fr-FR" dirty="0"/>
+              <a:t> : arbre, ensembliste, n’est pas parallèle mais séquentiel. On regarde là où l’</a:t>
+            </a:r>
+            <a:r>
+              <a:rPr lang="fr-FR" dirty="0" err="1"/>
+              <a:t>algo</a:t>
+            </a:r>
+            <a:r>
+              <a:rPr lang="fr-FR" dirty="0"/>
+              <a:t> se plante, pour ensuite apprendre</a:t>
+            </a:r>
+          </a:p>
+          <a:p>
+            <a:pPr marL="342900" indent="-342900">
+              <a:buFont typeface="Arial" panose="020B0604020202020204" pitchFamily="34" charset="0"/>
+              <a:buChar char="•"/>
+            </a:pPr>
+            <a:endParaRPr lang="fr-FR" dirty="0"/>
+          </a:p>
+          <a:p>
+            <a:pPr marL="342900" indent="-342900">
+              <a:buFont typeface="Arial" panose="020B0604020202020204" pitchFamily="34" charset="0"/>
+              <a:buChar char="•"/>
+            </a:pPr>
+            <a:r>
+              <a:rPr lang="fr-FR" dirty="0"/>
+              <a:t>Nous avons utilisé la recherche sur grille pour trouver les hyper paramètre donnant </a:t>
+            </a:r>
+            <a:r>
+              <a:rPr lang="fr-FR" dirty="0" err="1"/>
+              <a:t>ls</a:t>
+            </a:r>
+            <a:r>
+              <a:rPr lang="fr-FR" dirty="0"/>
+              <a:t> meilleurs </a:t>
+            </a:r>
+            <a:r>
+              <a:rPr lang="fr-FR" dirty="0" err="1"/>
+              <a:t>resultats</a:t>
+            </a:r>
+            <a:r>
+              <a:rPr lang="fr-FR" dirty="0"/>
+              <a:t>. En entrée nous avons utilisé la matrice TF-IDF (document / mots) et testé les transformation en </a:t>
+            </a:r>
+            <a:r>
+              <a:rPr lang="fr-FR" dirty="0" err="1"/>
+              <a:t>unigramme</a:t>
+            </a:r>
+            <a:r>
+              <a:rPr lang="fr-FR" dirty="0"/>
+              <a:t> et </a:t>
+            </a:r>
+            <a:r>
+              <a:rPr lang="fr-FR" dirty="0" err="1"/>
+              <a:t>bigramme</a:t>
+            </a:r>
+            <a:r>
+              <a:rPr lang="fr-FR" dirty="0"/>
+              <a:t>.</a:t>
+            </a:r>
+          </a:p>
+          <a:p>
             <a:endParaRPr lang="fr-FR" dirty="0"/>
           </a:p>
         </p:txBody>
@@ -1789,7 +2567,7 @@
     </p:spTree>
     <p:extLst>
       <p:ext uri="{BB962C8B-B14F-4D97-AF65-F5344CB8AC3E}">
-        <p14:creationId xmlns:p14="http://schemas.microsoft.com/office/powerpoint/2010/main" val="1325668937"/>
+        <p14:creationId xmlns:p14="http://schemas.microsoft.com/office/powerpoint/2010/main" val="2398907823"/>
       </p:ext>
     </p:extLst>
   </p:cSld>
@@ -1850,7 +2628,21 @@
           <a:p>
             <a:r>
               <a:rPr lang="fr-FR" dirty="0"/>
-              <a:t>Voyons maintenant les résultats obtenus</a:t>
+              <a:t>On a utilisé une recherche sur grille et une validation croisée pour optimiser nos algorithmes.</a:t>
+            </a:r>
+          </a:p>
+          <a:p>
+            <a:r>
+              <a:rPr lang="fr-FR" dirty="0"/>
+              <a:t>On a ensuite appliqué notre </a:t>
+            </a:r>
+            <a:r>
+              <a:rPr lang="fr-FR" dirty="0" err="1"/>
+              <a:t>algo</a:t>
+            </a:r>
+            <a:r>
+              <a:rPr lang="fr-FR" dirty="0"/>
+              <a:t> sur les données de validation et comparé les valeurs prédites au valeurs réels.</a:t>
             </a:r>
           </a:p>
         </p:txBody>
@@ -1858,7 +2650,7 @@
     </p:spTree>
     <p:extLst>
       <p:ext uri="{BB962C8B-B14F-4D97-AF65-F5344CB8AC3E}">
-        <p14:creationId xmlns:p14="http://schemas.microsoft.com/office/powerpoint/2010/main" val="2169594501"/>
+        <p14:creationId xmlns:p14="http://schemas.microsoft.com/office/powerpoint/2010/main" val="2081452320"/>
       </p:ext>
     </p:extLst>
   </p:cSld>
@@ -1917,14 +2709,38 @@
           <a:bodyPr/>
           <a:lstStyle/>
           <a:p>
+            <a:r>
+              <a:rPr lang="fr-FR" dirty="0"/>
+              <a:t>Les algorithmes donnent en sortie un matrice. </a:t>
+            </a:r>
+          </a:p>
+          <a:p>
+            <a:r>
+              <a:rPr lang="fr-FR" dirty="0"/>
+              <a:t>Chaque cellule donne la probabilité que le document i soit rattaché au tag j </a:t>
+            </a:r>
+          </a:p>
+          <a:p>
+            <a:r>
+              <a:rPr lang="fr-FR" dirty="0"/>
+              <a:t>Pour suggérer nos tags, on sélectionne donc les N tags ayant la meilleure valeur de probabilité.</a:t>
+            </a:r>
+          </a:p>
+          <a:p>
             <a:endParaRPr lang="fr-FR" dirty="0"/>
+          </a:p>
+          <a:p>
+            <a:r>
+              <a:rPr lang="fr-FR" dirty="0"/>
+              <a:t>Pour calculer le score, on compte le nb de tag correctement prédit sur le nombre total de tags réel.</a:t>
+            </a:r>
           </a:p>
         </p:txBody>
       </p:sp>
     </p:spTree>
     <p:extLst>
       <p:ext uri="{BB962C8B-B14F-4D97-AF65-F5344CB8AC3E}">
-        <p14:creationId xmlns:p14="http://schemas.microsoft.com/office/powerpoint/2010/main" val="852394477"/>
+        <p14:creationId xmlns:p14="http://schemas.microsoft.com/office/powerpoint/2010/main" val="1325668937"/>
       </p:ext>
     </p:extLst>
   </p:cSld>
@@ -1983,14 +2799,17 @@
           <a:bodyPr/>
           <a:lstStyle/>
           <a:p>
-            <a:endParaRPr lang="fr-FR" dirty="0"/>
+            <a:r>
+              <a:rPr lang="fr-FR" dirty="0"/>
+              <a:t>Voyons maintenant les résultats obtenus</a:t>
+            </a:r>
           </a:p>
         </p:txBody>
       </p:sp>
     </p:spTree>
     <p:extLst>
       <p:ext uri="{BB962C8B-B14F-4D97-AF65-F5344CB8AC3E}">
-        <p14:creationId xmlns:p14="http://schemas.microsoft.com/office/powerpoint/2010/main" val="176701323"/>
+        <p14:creationId xmlns:p14="http://schemas.microsoft.com/office/powerpoint/2010/main" val="2169594501"/>
       </p:ext>
     </p:extLst>
   </p:cSld>
@@ -2049,7 +2868,342 @@
           <a:bodyPr/>
           <a:lstStyle/>
           <a:p>
-            <a:endParaRPr lang="fr-FR" dirty="0"/>
+            <a:r>
+              <a:rPr lang="fr-FR" dirty="0"/>
+              <a:t>Les modèles supervisés donnent de meilleurs score que les topics </a:t>
+            </a:r>
+            <a:r>
+              <a:rPr lang="fr-FR" dirty="0" err="1"/>
+              <a:t>modeling</a:t>
+            </a:r>
+            <a:r>
+              <a:rPr lang="fr-FR" dirty="0"/>
+              <a:t>.</a:t>
+            </a:r>
+          </a:p>
+          <a:p>
+            <a:r>
+              <a:rPr lang="fr-FR" dirty="0"/>
+              <a:t>On a le meilleur score avec une modélisation à vecteur de support </a:t>
+            </a:r>
+            <a:r>
+              <a:rPr lang="fr-FR" dirty="0" err="1"/>
+              <a:t>optmisé</a:t>
+            </a:r>
+            <a:r>
+              <a:rPr lang="fr-FR" dirty="0"/>
+              <a:t> par une descente de gradient stochastique.</a:t>
+            </a:r>
+          </a:p>
+          <a:p>
+            <a:r>
+              <a:rPr lang="fr-FR" dirty="0"/>
+              <a:t>Il donne 55% des tags </a:t>
+            </a:r>
+            <a:r>
+              <a:rPr lang="fr-FR" dirty="0" err="1"/>
+              <a:t>correctmeent</a:t>
+            </a:r>
+            <a:r>
+              <a:rPr lang="fr-FR" dirty="0"/>
+              <a:t> prédit.</a:t>
+            </a:r>
+          </a:p>
+          <a:p>
+            <a:r>
+              <a:rPr lang="fr-FR" dirty="0"/>
+              <a:t>On remarque également que ce score augmente avec le nombre de tags à prédire.</a:t>
+            </a:r>
+          </a:p>
+          <a:p>
+            <a:r>
+              <a:rPr lang="fr-FR" dirty="0"/>
+              <a:t>Nous pensons que 7 est le nombre de tag maximum à suggérer. Au delà on risque de perde l’utilisateur plutôt que l’aider.</a:t>
+            </a:r>
+          </a:p>
+        </p:txBody>
+      </p:sp>
+    </p:spTree>
+    <p:extLst>
+      <p:ext uri="{BB962C8B-B14F-4D97-AF65-F5344CB8AC3E}">
+        <p14:creationId xmlns:p14="http://schemas.microsoft.com/office/powerpoint/2010/main" val="852394477"/>
+      </p:ext>
+    </p:extLst>
+  </p:cSld>
+  <p:clrMapOvr>
+    <a:masterClrMapping/>
+  </p:clrMapOvr>
+</p:notes>
+</file>
+
+<file path=ppt/notesSlides/notesSlide26.xml><?xml version="1.0" encoding="utf-8"?>
+<p:notes xmlns:a="http://schemas.openxmlformats.org/drawingml/2006/main" xmlns:r="http://schemas.openxmlformats.org/officeDocument/2006/relationships" xmlns:p="http://schemas.openxmlformats.org/presentationml/2006/main">
+  <p:cSld>
+    <p:spTree>
+      <p:nvGrpSpPr>
+        <p:cNvPr id="1" name=""/>
+        <p:cNvGrpSpPr/>
+        <p:nvPr/>
+      </p:nvGrpSpPr>
+      <p:grpSpPr>
+        <a:xfrm>
+          <a:off x="0" y="0"/>
+          <a:ext cx="0" cy="0"/>
+          <a:chOff x="0" y="0"/>
+          <a:chExt cx="0" cy="0"/>
+        </a:xfrm>
+      </p:grpSpPr>
+      <p:sp>
+        <p:nvSpPr>
+          <p:cNvPr id="2" name="Espace réservé de l’image des diapositives 1"/>
+          <p:cNvSpPr>
+            <a:spLocks noGrp="1" noRot="1" noChangeAspect="1"/>
+          </p:cNvSpPr>
+          <p:nvPr>
+            <p:ph type="sldImg"/>
+          </p:nvPr>
+        </p:nvSpPr>
+        <p:spPr>
+          <a:xfrm>
+            <a:off x="381000" y="685800"/>
+            <a:ext cx="6096000" cy="3429000"/>
+          </a:xfrm>
+        </p:spPr>
+      </p:sp>
+      <p:sp>
+        <p:nvSpPr>
+          <p:cNvPr id="3" name="Espace réservé des commentaires 2"/>
+          <p:cNvSpPr>
+            <a:spLocks noGrp="1"/>
+          </p:cNvSpPr>
+          <p:nvPr>
+            <p:ph type="body" idx="1"/>
+          </p:nvPr>
+        </p:nvSpPr>
+        <p:spPr/>
+        <p:txBody>
+          <a:bodyPr/>
+          <a:lstStyle/>
+          <a:p>
+            <a:r>
+              <a:rPr lang="fr-FR" dirty="0"/>
+              <a:t>Nous avons implémenté notre algorithme SGD sous forme d’interface WEB en utilisant le </a:t>
+            </a:r>
+            <a:r>
+              <a:rPr lang="fr-FR" dirty="0" err="1"/>
+              <a:t>framework</a:t>
+            </a:r>
+            <a:r>
+              <a:rPr lang="fr-FR" dirty="0"/>
+              <a:t> </a:t>
+            </a:r>
+            <a:r>
+              <a:rPr lang="fr-FR" dirty="0" err="1"/>
+              <a:t>Flask</a:t>
+            </a:r>
+            <a:r>
+              <a:rPr lang="fr-FR" dirty="0"/>
+              <a:t> de Python</a:t>
+            </a:r>
+          </a:p>
+          <a:p>
+            <a:r>
+              <a:rPr lang="fr-FR" dirty="0"/>
+              <a:t>L’utilisateur saisit son titre, et sa question et demande ensuite les tags suggérer pour son contenu.</a:t>
+            </a:r>
+          </a:p>
+        </p:txBody>
+      </p:sp>
+    </p:spTree>
+    <p:extLst>
+      <p:ext uri="{BB962C8B-B14F-4D97-AF65-F5344CB8AC3E}">
+        <p14:creationId xmlns:p14="http://schemas.microsoft.com/office/powerpoint/2010/main" val="176701323"/>
+      </p:ext>
+    </p:extLst>
+  </p:cSld>
+  <p:clrMapOvr>
+    <a:masterClrMapping/>
+  </p:clrMapOvr>
+</p:notes>
+</file>
+
+<file path=ppt/notesSlides/notesSlide27.xml><?xml version="1.0" encoding="utf-8"?>
+<p:notes xmlns:a="http://schemas.openxmlformats.org/drawingml/2006/main" xmlns:r="http://schemas.openxmlformats.org/officeDocument/2006/relationships" xmlns:p="http://schemas.openxmlformats.org/presentationml/2006/main">
+  <p:cSld>
+    <p:spTree>
+      <p:nvGrpSpPr>
+        <p:cNvPr id="1" name=""/>
+        <p:cNvGrpSpPr/>
+        <p:nvPr/>
+      </p:nvGrpSpPr>
+      <p:grpSpPr>
+        <a:xfrm>
+          <a:off x="0" y="0"/>
+          <a:ext cx="0" cy="0"/>
+          <a:chOff x="0" y="0"/>
+          <a:chExt cx="0" cy="0"/>
+        </a:xfrm>
+      </p:grpSpPr>
+      <p:sp>
+        <p:nvSpPr>
+          <p:cNvPr id="2" name="Espace réservé de l’image des diapositives 1"/>
+          <p:cNvSpPr>
+            <a:spLocks noGrp="1" noRot="1" noChangeAspect="1"/>
+          </p:cNvSpPr>
+          <p:nvPr>
+            <p:ph type="sldImg"/>
+          </p:nvPr>
+        </p:nvSpPr>
+        <p:spPr>
+          <a:xfrm>
+            <a:off x="381000" y="685800"/>
+            <a:ext cx="6096000" cy="3429000"/>
+          </a:xfrm>
+        </p:spPr>
+      </p:sp>
+      <p:sp>
+        <p:nvSpPr>
+          <p:cNvPr id="3" name="Espace réservé des commentaires 2"/>
+          <p:cNvSpPr>
+            <a:spLocks noGrp="1"/>
+          </p:cNvSpPr>
+          <p:nvPr>
+            <p:ph type="body" idx="1"/>
+          </p:nvPr>
+        </p:nvSpPr>
+        <p:spPr/>
+        <p:txBody>
+          <a:bodyPr/>
+          <a:lstStyle/>
+          <a:p>
+            <a:r>
+              <a:rPr lang="fr-FR" dirty="0"/>
+              <a:t>Pour répondre à notre problématique nous avons essayé différentes approches capable de suggérer des tags à partir de texte saisie par un utilisateur.</a:t>
+            </a:r>
+          </a:p>
+          <a:p>
+            <a:r>
+              <a:rPr lang="fr-FR" dirty="0"/>
+              <a:t>Nous avons </a:t>
+            </a:r>
+            <a:r>
+              <a:rPr lang="fr-FR" dirty="0" err="1"/>
+              <a:t>séléctionné</a:t>
+            </a:r>
+            <a:r>
+              <a:rPr lang="fr-FR" dirty="0"/>
+              <a:t> un algorithme d’apprentissage supervisé le SVM optimisé par un SGD qui a donné le meilleur </a:t>
+            </a:r>
+            <a:r>
+              <a:rPr lang="fr-FR" dirty="0" err="1"/>
+              <a:t>resultat</a:t>
+            </a:r>
+            <a:r>
+              <a:rPr lang="fr-FR" dirty="0"/>
+              <a:t>.</a:t>
+            </a:r>
+          </a:p>
+          <a:p>
+            <a:r>
+              <a:rPr lang="fr-FR" dirty="0"/>
+              <a:t>Le topic </a:t>
+            </a:r>
+            <a:r>
+              <a:rPr lang="fr-FR" dirty="0" err="1"/>
+              <a:t>modeling</a:t>
+            </a:r>
+            <a:r>
+              <a:rPr lang="fr-FR" dirty="0"/>
+              <a:t> n’a pas donné de très bon score mais il a permis d’avoir une meilleure visibilité des sujets et domaine traités par les questions.</a:t>
+            </a:r>
+          </a:p>
+          <a:p>
+            <a:r>
+              <a:rPr lang="fr-FR" dirty="0"/>
+              <a:t>Nous voyons quelques axes d’amélioration à notre </a:t>
+            </a:r>
+            <a:r>
+              <a:rPr lang="fr-FR" dirty="0" err="1"/>
+              <a:t>implémentaiton</a:t>
+            </a:r>
+            <a:r>
+              <a:rPr lang="fr-FR" dirty="0"/>
+              <a:t> :</a:t>
+            </a:r>
+          </a:p>
+          <a:p>
+            <a:r>
+              <a:rPr lang="fr-FR" dirty="0"/>
+              <a:t>La </a:t>
+            </a:r>
+            <a:r>
+              <a:rPr lang="fr-FR" dirty="0" err="1"/>
+              <a:t>premi!re</a:t>
+            </a:r>
+            <a:r>
+              <a:rPr lang="fr-FR" dirty="0"/>
+              <a:t>, il serait </a:t>
+            </a:r>
+            <a:r>
+              <a:rPr lang="fr-FR" dirty="0" err="1"/>
+              <a:t>judicueux</a:t>
+            </a:r>
+            <a:r>
+              <a:rPr lang="fr-FR" dirty="0"/>
+              <a:t> de tester le </a:t>
+            </a:r>
+            <a:r>
+              <a:rPr lang="fr-FR" dirty="0" err="1"/>
+              <a:t>word</a:t>
+            </a:r>
+            <a:r>
+              <a:rPr lang="fr-FR" dirty="0"/>
+              <a:t> </a:t>
+            </a:r>
+            <a:r>
+              <a:rPr lang="fr-FR" dirty="0" err="1"/>
+              <a:t>embedding</a:t>
+            </a:r>
+            <a:r>
+              <a:rPr lang="fr-FR" dirty="0"/>
+              <a:t> (plongement de mots en français) et les réseaux de neurones pour voir si on a de meilleurs </a:t>
+            </a:r>
+            <a:r>
+              <a:rPr lang="fr-FR" dirty="0" err="1"/>
+              <a:t>resultats</a:t>
+            </a:r>
+            <a:r>
+              <a:rPr lang="fr-FR" dirty="0"/>
+              <a:t>.</a:t>
+            </a:r>
+          </a:p>
+          <a:p>
+            <a:r>
+              <a:rPr lang="fr-FR" dirty="0"/>
+              <a:t>Nous pourrons aussi mieux exploiter l’</a:t>
+            </a:r>
+            <a:r>
+              <a:rPr lang="fr-FR" dirty="0" err="1"/>
+              <a:t>histirique</a:t>
+            </a:r>
+            <a:r>
+              <a:rPr lang="fr-FR" dirty="0"/>
+              <a:t> de l’</a:t>
+            </a:r>
+            <a:r>
+              <a:rPr lang="fr-FR" dirty="0" err="1"/>
+              <a:t>utilisateu</a:t>
+            </a:r>
+            <a:r>
+              <a:rPr lang="fr-FR" dirty="0"/>
+              <a:t>. Exemple un utilisateur qui pose beaucoup de question relatif à un tag particulier. Pour sa nouvelle question, on donnera plus de poids à ce tag.</a:t>
+            </a:r>
+          </a:p>
+          <a:p>
+            <a:r>
+              <a:rPr lang="fr-FR" dirty="0"/>
+              <a:t>Dans notre solution, nous ne proposons que des tags déjà utilisé dans le système. Nous ne sommes pas capable de prédire de nouveau tag et il sera intéressant de pouvoir le faire.</a:t>
+            </a:r>
           </a:p>
         </p:txBody>
       </p:sp>
@@ -2102,7 +3256,7 @@
       </p:sp>
       <p:sp>
         <p:nvSpPr>
-          <p:cNvPr id="3" name="Espace réservé des notes 2"/>
+          <p:cNvPr id="3" name="Espace réservé des commentaires 2"/>
           <p:cNvSpPr>
             <a:spLocks noGrp="1"/>
           </p:cNvSpPr>
@@ -2115,14 +3269,138 @@
           <a:bodyPr/>
           <a:lstStyle/>
           <a:p>
+            <a:r>
+              <a:rPr lang="fr-FR" dirty="0"/>
+              <a:t>Avant de présenter le travail réalisé, je vais juste refaire un rappel du contexte.</a:t>
+            </a:r>
+          </a:p>
+          <a:p>
             <a:endParaRPr lang="fr-FR" dirty="0"/>
+          </a:p>
+          <a:p>
+            <a:r>
+              <a:rPr lang="fr-FR" dirty="0"/>
+              <a:t>Ce projet concerne le site </a:t>
+            </a:r>
+            <a:r>
+              <a:rPr lang="fr-FR" dirty="0" err="1"/>
+              <a:t>Stack</a:t>
+            </a:r>
+            <a:r>
+              <a:rPr lang="fr-FR" dirty="0"/>
+              <a:t> </a:t>
+            </a:r>
+            <a:r>
+              <a:rPr lang="fr-FR" dirty="0" err="1"/>
+              <a:t>Overflow</a:t>
+            </a:r>
+            <a:r>
+              <a:rPr lang="fr-FR" dirty="0"/>
+              <a:t>.</a:t>
+            </a:r>
+          </a:p>
+          <a:p>
+            <a:r>
+              <a:rPr lang="fr-FR" dirty="0"/>
+              <a:t>C’est un site de question / réponse dans le domaine informatique.</a:t>
+            </a:r>
+          </a:p>
+          <a:p>
+            <a:r>
+              <a:rPr lang="fr-FR" dirty="0"/>
+              <a:t>Il est très connu et </a:t>
+            </a:r>
+            <a:r>
+              <a:rPr lang="fr-FR" dirty="0" err="1"/>
+              <a:t>particulèrement</a:t>
+            </a:r>
+            <a:r>
+              <a:rPr lang="fr-FR" dirty="0"/>
+              <a:t> utilisé par les développeurs. </a:t>
+            </a:r>
+          </a:p>
+          <a:p>
+            <a:endParaRPr lang="fr-FR" dirty="0"/>
+          </a:p>
+          <a:p>
+            <a:r>
+              <a:rPr lang="fr-FR" dirty="0"/>
+              <a:t>Son principe est le suivant. Un utilisateur poste sa question à laquelle peuvent répondre les membres de la communautés.</a:t>
+            </a:r>
+          </a:p>
+          <a:p>
+            <a:r>
+              <a:rPr lang="fr-FR" dirty="0"/>
+              <a:t>Il intègre un système de notation permettant aux membres de noter à la fois la pertinence de la question mais aussi des </a:t>
+            </a:r>
+            <a:r>
+              <a:rPr lang="fr-FR" dirty="0" err="1"/>
+              <a:t>réponsess</a:t>
+            </a:r>
+            <a:r>
+              <a:rPr lang="fr-FR" dirty="0"/>
+              <a:t>.</a:t>
+            </a:r>
+          </a:p>
+          <a:p>
+            <a:r>
+              <a:rPr lang="fr-FR" dirty="0"/>
+              <a:t>Quand l’utilisateur poste sa question, il doit aussi indiquer des mots clés (appelés tags) pour catégoriser sa question. Ca permet de faciliter le classement et les recherches de sujets.</a:t>
+            </a:r>
+          </a:p>
+          <a:p>
+            <a:endParaRPr lang="fr-FR" dirty="0"/>
+          </a:p>
+          <a:p>
+            <a:r>
+              <a:rPr lang="fr-FR" dirty="0"/>
+              <a:t>Notre objectif est d’aider les nouveaux utilisateurs du site. Pour cela nous proposons d’implémenter un système capable de leur suggérer automatiquement des tags quand il poste leur question.</a:t>
+            </a:r>
+          </a:p>
+          <a:p>
+            <a:endParaRPr lang="fr-FR" dirty="0"/>
+          </a:p>
+          <a:p>
+            <a:r>
+              <a:rPr lang="fr-FR" dirty="0"/>
+              <a:t>Nous allons nous baser sur les techniques d’apprentissage machine pour mettre en place cet outil.</a:t>
+            </a:r>
+          </a:p>
+          <a:p>
+            <a:endParaRPr lang="fr-FR" dirty="0"/>
+          </a:p>
+          <a:p>
+            <a:r>
+              <a:rPr lang="fr-FR" dirty="0"/>
+              <a:t>Nous commencerons d’abord par faire des traitement sur les données textuelles pour les rendre utilisables les algorithmes de machine </a:t>
+            </a:r>
+            <a:r>
+              <a:rPr lang="fr-FR" dirty="0" err="1"/>
+              <a:t>learning</a:t>
+            </a:r>
+            <a:r>
+              <a:rPr lang="fr-FR" dirty="0"/>
+              <a:t>.</a:t>
+            </a:r>
+          </a:p>
+          <a:p>
+            <a:r>
+              <a:rPr lang="fr-FR" dirty="0"/>
+              <a:t>Puis nous appliquerons et évaluons des modèles de prédictions de tags basés sur des approches supervisés et non supervisés.</a:t>
+            </a:r>
+          </a:p>
+          <a:p>
+            <a:r>
+              <a:rPr lang="fr-FR" dirty="0"/>
+              <a:t>Enfin nous sélectionnerons alors le modèle qui donnera les meilleurs résultats. Nous implémenterons alors une interface web de suggestion de tag à partir du contenu de la question de l’utilisateur.</a:t>
+            </a:r>
           </a:p>
         </p:txBody>
       </p:sp>
     </p:spTree>
     <p:extLst>
       <p:ext uri="{BB962C8B-B14F-4D97-AF65-F5344CB8AC3E}">
-        <p14:creationId xmlns:p14="http://schemas.microsoft.com/office/powerpoint/2010/main" val="3383163908"/>
+        <p14:creationId xmlns:p14="http://schemas.microsoft.com/office/powerpoint/2010/main" val="577765259"/>
       </p:ext>
     </p:extLst>
   </p:cSld>
@@ -2168,7 +3446,7 @@
       </p:sp>
       <p:sp>
         <p:nvSpPr>
-          <p:cNvPr id="3" name="Espace réservé des commentaires 2"/>
+          <p:cNvPr id="3" name="Espace réservé des notes 2"/>
           <p:cNvSpPr>
             <a:spLocks noGrp="1"/>
           </p:cNvSpPr>
@@ -2181,14 +3459,17 @@
           <a:bodyPr/>
           <a:lstStyle/>
           <a:p>
-            <a:endParaRPr lang="fr-FR" dirty="0"/>
+            <a:r>
+              <a:rPr lang="fr-FR" dirty="0"/>
+              <a:t>Commençons par la matière première : les données.</a:t>
+            </a:r>
           </a:p>
         </p:txBody>
       </p:sp>
     </p:spTree>
     <p:extLst>
       <p:ext uri="{BB962C8B-B14F-4D97-AF65-F5344CB8AC3E}">
-        <p14:creationId xmlns:p14="http://schemas.microsoft.com/office/powerpoint/2010/main" val="396670678"/>
+        <p14:creationId xmlns:p14="http://schemas.microsoft.com/office/powerpoint/2010/main" val="3383163908"/>
       </p:ext>
     </p:extLst>
   </p:cSld>
@@ -2247,14 +3528,135 @@
           <a:bodyPr/>
           <a:lstStyle/>
           <a:p>
+            <a:r>
+              <a:rPr lang="fr-FR" dirty="0"/>
+              <a:t>Pour pouvoir appliquer les prédictions, il nous faut récupérer les questions des utilisateurs depuis le site de </a:t>
+            </a:r>
+            <a:r>
+              <a:rPr lang="fr-FR" dirty="0" err="1"/>
+              <a:t>Stack</a:t>
+            </a:r>
+            <a:r>
+              <a:rPr lang="fr-FR" dirty="0"/>
+              <a:t> </a:t>
+            </a:r>
+            <a:r>
+              <a:rPr lang="fr-FR" dirty="0" err="1"/>
+              <a:t>Overflow</a:t>
+            </a:r>
+            <a:r>
+              <a:rPr lang="fr-FR" dirty="0"/>
+              <a:t>.</a:t>
+            </a:r>
+          </a:p>
+          <a:p>
+            <a:r>
+              <a:rPr lang="fr-FR" dirty="0"/>
+              <a:t>Celui-ci fort heureusement fourni un outil permettant l’export de ces données. Il est basé sur des requêtes SQL.</a:t>
+            </a:r>
+          </a:p>
+          <a:p>
             <a:endParaRPr lang="fr-FR" dirty="0"/>
+          </a:p>
+          <a:p>
+            <a:r>
+              <a:rPr lang="fr-FR" dirty="0"/>
+              <a:t>Nous avons donc fait des requêtes pour récupérer ces questions (appelé POST chez </a:t>
+            </a:r>
+            <a:r>
+              <a:rPr lang="fr-FR" dirty="0" err="1"/>
+              <a:t>Stack</a:t>
+            </a:r>
+            <a:r>
+              <a:rPr lang="fr-FR" dirty="0"/>
+              <a:t> </a:t>
+            </a:r>
+            <a:r>
+              <a:rPr lang="fr-FR" dirty="0" err="1"/>
+              <a:t>Overflow</a:t>
+            </a:r>
+            <a:r>
+              <a:rPr lang="fr-FR" dirty="0"/>
+              <a:t>)</a:t>
+            </a:r>
+          </a:p>
+          <a:p>
+            <a:endParaRPr lang="fr-FR" dirty="0"/>
+          </a:p>
+          <a:p>
+            <a:r>
+              <a:rPr lang="fr-FR" dirty="0"/>
+              <a:t>L’outil a des contraintes notamment une limite en terme de temps d’</a:t>
+            </a:r>
+            <a:r>
+              <a:rPr lang="fr-FR" dirty="0" err="1"/>
+              <a:t>execution</a:t>
+            </a:r>
+            <a:r>
+              <a:rPr lang="fr-FR" dirty="0"/>
+              <a:t>. Il n’est par exemple pas possible d’exporter l’ensemble des données en une seule requête.</a:t>
+            </a:r>
+          </a:p>
+          <a:p>
+            <a:endParaRPr lang="fr-FR" dirty="0"/>
+          </a:p>
+          <a:p>
+            <a:pPr marL="342900" indent="-342900">
+              <a:buFontTx/>
+              <a:buChar char="-"/>
+            </a:pPr>
+            <a:r>
+              <a:rPr lang="fr-FR" dirty="0"/>
+              <a:t>Nous avons donc découper notre export en plusieurs requête pour avoir à chaque fois une partie des données.</a:t>
+            </a:r>
+          </a:p>
+          <a:p>
+            <a:pPr marL="342900" indent="-342900">
+              <a:buFontTx/>
+              <a:buChar char="-"/>
+            </a:pPr>
+            <a:r>
+              <a:rPr lang="fr-FR" dirty="0"/>
+              <a:t>Nous avons rajouté des filtres pour ne récupérer que les questions qui avaient une note &gt; 5 donc plutôt pertinente.</a:t>
+            </a:r>
+          </a:p>
+          <a:p>
+            <a:pPr marL="342900" indent="-342900">
+              <a:buFontTx/>
+              <a:buChar char="-"/>
+            </a:pPr>
+            <a:r>
+              <a:rPr lang="fr-FR" dirty="0"/>
+              <a:t>On a joué sur les ID pour ne pas avoir des données distinctes à chaque requêtes.</a:t>
+            </a:r>
+          </a:p>
+          <a:p>
+            <a:endParaRPr lang="fr-FR" dirty="0"/>
+          </a:p>
+          <a:p>
+            <a:r>
+              <a:rPr lang="fr-FR" dirty="0"/>
+              <a:t>Les attributs de l’objet Question retenus pour répondre à notre objectifs sont : le titre, le corps de la question et la liste des tags associés. </a:t>
+            </a:r>
+          </a:p>
+          <a:p>
+            <a:r>
+              <a:rPr lang="fr-FR" dirty="0"/>
+              <a:t>Chaque question peut avoir entre 1 et 5 tags maximum.</a:t>
+            </a:r>
+          </a:p>
+          <a:p>
+            <a:r>
+              <a:rPr lang="fr-FR" dirty="0"/>
+              <a:t>Le corps de la question est au format HTML et peut également contenir des bouts de code servant à illustrer la question.</a:t>
+            </a:r>
           </a:p>
         </p:txBody>
       </p:sp>
     </p:spTree>
     <p:extLst>
       <p:ext uri="{BB962C8B-B14F-4D97-AF65-F5344CB8AC3E}">
-        <p14:creationId xmlns:p14="http://schemas.microsoft.com/office/powerpoint/2010/main" val="1823679207"/>
+        <p14:creationId xmlns:p14="http://schemas.microsoft.com/office/powerpoint/2010/main" val="396670678"/>
       </p:ext>
     </p:extLst>
   </p:cSld>
@@ -2313,14 +3715,44 @@
           <a:bodyPr/>
           <a:lstStyle/>
           <a:p>
-            <a:endParaRPr lang="fr-FR" baseline="0" dirty="0"/>
+            <a:r>
+              <a:rPr lang="fr-FR" dirty="0"/>
+              <a:t>Nous nous sommes limités à 64 000 questions au total. Nous avons jugé la volumétrie suffisante pour notre problème.</a:t>
+            </a:r>
+          </a:p>
+          <a:p>
+            <a:r>
+              <a:rPr lang="fr-FR" dirty="0"/>
+              <a:t>On voit ici le contenu de nos 5 premières questions.</a:t>
+            </a:r>
+          </a:p>
+          <a:p>
+            <a:r>
+              <a:rPr lang="fr-FR" dirty="0"/>
+              <a:t>Les 3 variables : titre, body et tags contiennent des données textuelles.</a:t>
+            </a:r>
+          </a:p>
+          <a:p>
+            <a:r>
+              <a:rPr lang="fr-FR" dirty="0"/>
+              <a:t>Notre base ne contient aucune valeur vide, ce qui est une bonne nouvelle et n’a donc pas nécessite de traitement particulier de remplacement / suppression.</a:t>
+            </a:r>
+          </a:p>
+          <a:p>
+            <a:r>
+              <a:rPr lang="fr-FR" dirty="0"/>
+              <a:t>Nb caractères moyens.</a:t>
+            </a:r>
+          </a:p>
+          <a:p>
+            <a:endParaRPr lang="fr-FR" dirty="0"/>
           </a:p>
         </p:txBody>
       </p:sp>
     </p:spTree>
     <p:extLst>
       <p:ext uri="{BB962C8B-B14F-4D97-AF65-F5344CB8AC3E}">
-        <p14:creationId xmlns:p14="http://schemas.microsoft.com/office/powerpoint/2010/main" val="1784429229"/>
+        <p14:creationId xmlns:p14="http://schemas.microsoft.com/office/powerpoint/2010/main" val="1823679207"/>
       </p:ext>
     </p:extLst>
   </p:cSld>
@@ -2379,19 +3811,208 @@
           <a:bodyPr/>
           <a:lstStyle/>
           <a:p>
-            <a:endParaRPr lang="fr-FR" sz="2200" dirty="0">
-              <a:latin typeface="Helvetica Neue"/>
-              <a:ea typeface="Helvetica Neue"/>
-              <a:cs typeface="Helvetica Neue"/>
-              <a:sym typeface="Helvetica Neue"/>
-            </a:endParaRPr>
+            <a:r>
+              <a:rPr lang="fr-FR" baseline="0" dirty="0"/>
+              <a:t>Pour augmenter l’efficacité de nos modèles de machine </a:t>
+            </a:r>
+            <a:r>
+              <a:rPr lang="fr-FR" baseline="0" dirty="0" err="1"/>
+              <a:t>learning</a:t>
+            </a:r>
+            <a:r>
+              <a:rPr lang="fr-FR" baseline="0" dirty="0"/>
+              <a:t>, il nous faut dans un premier temps s’assurer de la qualité de nos données.</a:t>
+            </a:r>
+          </a:p>
+          <a:p>
+            <a:r>
+              <a:rPr lang="fr-FR" baseline="0" dirty="0"/>
+              <a:t>Les données textuelles sont très complexe à traiter. </a:t>
+            </a:r>
+          </a:p>
+          <a:p>
+            <a:r>
+              <a:rPr lang="fr-FR" baseline="0" dirty="0"/>
+              <a:t>Nous allons donc réaliser un certain nombre de </a:t>
+            </a:r>
+            <a:r>
+              <a:rPr lang="fr-FR" baseline="0" dirty="0" err="1"/>
+              <a:t>pré-traitement</a:t>
+            </a:r>
+            <a:r>
+              <a:rPr lang="fr-FR" baseline="0" dirty="0"/>
+              <a:t> sur nos données :</a:t>
+            </a:r>
+          </a:p>
+          <a:p>
+            <a:r>
+              <a:rPr lang="fr-FR" baseline="0" dirty="0"/>
+              <a:t>Notamment celui de les nettoyer d’</a:t>
+            </a:r>
+            <a:r>
+              <a:rPr lang="fr-FR" baseline="0" dirty="0" err="1"/>
+              <a:t>élèments</a:t>
+            </a:r>
+            <a:r>
+              <a:rPr lang="fr-FR" baseline="0" dirty="0"/>
+              <a:t> n’apportant pas réellement de valeur pour notre objectif de prédiction, mais également de normalisation du texte.</a:t>
+            </a:r>
+          </a:p>
+          <a:p>
+            <a:endParaRPr lang="fr-FR" baseline="0" dirty="0"/>
+          </a:p>
+          <a:p>
+            <a:r>
+              <a:rPr lang="fr-FR" baseline="0" dirty="0"/>
+              <a:t>Pour réaliser ces tâches nous allons nous baser sur une librairies python très pratique appelé NLTK mais également sur les expressions régulières.</a:t>
+            </a:r>
+          </a:p>
+          <a:p>
+            <a:endParaRPr lang="fr-FR" baseline="0" dirty="0"/>
+          </a:p>
+          <a:p>
+            <a:pPr marL="342900" indent="-342900">
+              <a:buFontTx/>
+              <a:buChar char="-"/>
+            </a:pPr>
+            <a:r>
+              <a:rPr lang="fr-FR" baseline="0" dirty="0"/>
+              <a:t>On commence par supprimer tous les tags HTML pour ne conserver que le contenu de nos questions.</a:t>
+            </a:r>
+          </a:p>
+          <a:p>
+            <a:pPr marL="342900" indent="-342900">
+              <a:buFontTx/>
+              <a:buChar char="-"/>
+            </a:pPr>
+            <a:r>
+              <a:rPr lang="fr-FR" baseline="0" dirty="0"/>
+              <a:t>Ensuite on supprime les accents et tous les caractères non ASCII</a:t>
+            </a:r>
+          </a:p>
+          <a:p>
+            <a:pPr marL="342900" indent="-342900">
+              <a:buFontTx/>
+              <a:buChar char="-"/>
+            </a:pPr>
+            <a:r>
+              <a:rPr lang="fr-FR" baseline="0" dirty="0"/>
+              <a:t>On ne garde que les caractères alphabétique (on supprime les chiffres, caractères spéciaux, …</a:t>
+            </a:r>
+          </a:p>
+          <a:p>
+            <a:pPr marL="342900" indent="-342900">
+              <a:buFontTx/>
+              <a:buChar char="-"/>
+            </a:pPr>
+            <a:r>
+              <a:rPr lang="fr-FR" baseline="0" dirty="0"/>
+              <a:t>On passe tous les mots en minuscule</a:t>
+            </a:r>
+          </a:p>
+          <a:p>
+            <a:pPr marL="342900" indent="-342900">
+              <a:buFontTx/>
+              <a:buChar char="-"/>
+            </a:pPr>
+            <a:r>
+              <a:rPr lang="fr-FR" baseline="0" dirty="0"/>
+              <a:t>On </a:t>
+            </a:r>
+            <a:r>
+              <a:rPr lang="fr-FR" baseline="0" dirty="0" err="1"/>
+              <a:t>tokenize</a:t>
+            </a:r>
+            <a:r>
+              <a:rPr lang="fr-FR" baseline="0" dirty="0"/>
+              <a:t> le texte, c’est à dire on découpe le texte en unité atomique (</a:t>
+            </a:r>
+            <a:r>
+              <a:rPr lang="fr-FR" baseline="0" dirty="0" err="1"/>
+              <a:t>token</a:t>
+            </a:r>
+            <a:r>
+              <a:rPr lang="fr-FR" baseline="0" dirty="0"/>
+              <a:t>)</a:t>
+            </a:r>
+          </a:p>
+          <a:p>
+            <a:pPr marL="342900" indent="-342900">
+              <a:buFontTx/>
+              <a:buChar char="-"/>
+            </a:pPr>
+            <a:r>
+              <a:rPr lang="fr-FR" baseline="0" dirty="0"/>
+              <a:t>On supprime les </a:t>
+            </a:r>
+            <a:r>
+              <a:rPr lang="fr-FR" baseline="0" dirty="0" err="1"/>
+              <a:t>stopswords</a:t>
+            </a:r>
+            <a:r>
+              <a:rPr lang="fr-FR" baseline="0" dirty="0"/>
+              <a:t>, c’est à dire les mots courants comme (le, la dans) pour ne garder que les mots qui vont être lié aux sujets de notre texte</a:t>
+            </a:r>
+          </a:p>
+          <a:p>
+            <a:pPr marL="342900" indent="-342900">
+              <a:buFontTx/>
+              <a:buChar char="-"/>
+            </a:pPr>
+            <a:r>
+              <a:rPr lang="fr-FR" baseline="0" dirty="0"/>
+              <a:t>Et enfin on applique le </a:t>
+            </a:r>
+            <a:r>
+              <a:rPr lang="fr-FR" baseline="0" dirty="0" err="1"/>
+              <a:t>stemming</a:t>
+            </a:r>
+            <a:r>
+              <a:rPr lang="fr-FR" baseline="0" dirty="0"/>
+              <a:t> (</a:t>
+            </a:r>
+            <a:r>
+              <a:rPr lang="fr-FR" baseline="0" dirty="0" err="1"/>
+              <a:t>racinisation</a:t>
+            </a:r>
+            <a:r>
+              <a:rPr lang="fr-FR" baseline="0" dirty="0"/>
+              <a:t>) =&gt; on supprime </a:t>
+            </a:r>
+            <a:r>
+              <a:rPr lang="fr-FR" baseline="0" dirty="0" err="1"/>
+              <a:t>prefixe</a:t>
+            </a:r>
+            <a:r>
+              <a:rPr lang="fr-FR" baseline="0" dirty="0"/>
+              <a:t> et suffixe pour ne garder que le radical du mot : </a:t>
+            </a:r>
+            <a:r>
+              <a:rPr lang="fr-FR" baseline="0" dirty="0" err="1"/>
+              <a:t>fishing</a:t>
+            </a:r>
+            <a:r>
+              <a:rPr lang="fr-FR" baseline="0" dirty="0"/>
+              <a:t>, et fixer vont donner la racine </a:t>
+            </a:r>
+            <a:r>
+              <a:rPr lang="fr-FR" baseline="0" dirty="0" err="1"/>
+              <a:t>fish</a:t>
+            </a:r>
+            <a:r>
+              <a:rPr lang="fr-FR" baseline="0" dirty="0"/>
+              <a:t>.</a:t>
+            </a:r>
+          </a:p>
+          <a:p>
+            <a:endParaRPr lang="fr-FR" baseline="0" dirty="0"/>
           </a:p>
         </p:txBody>
       </p:sp>
     </p:spTree>
     <p:extLst>
       <p:ext uri="{BB962C8B-B14F-4D97-AF65-F5344CB8AC3E}">
-        <p14:creationId xmlns:p14="http://schemas.microsoft.com/office/powerpoint/2010/main" val="11363783"/>
+        <p14:creationId xmlns:p14="http://schemas.microsoft.com/office/powerpoint/2010/main" val="1784429229"/>
       </p:ext>
     </p:extLst>
   </p:cSld>
@@ -2451,8 +4072,223 @@
           <a:lstStyle/>
           <a:p>
             <a:r>
-              <a:rPr lang="fr-FR" dirty="0"/>
-              <a:t>Après l’analyse, on va essayer de regrouper les clients</a:t>
+              <a:rPr lang="fr-FR" sz="2200" dirty="0">
+                <a:latin typeface="Helvetica Neue"/>
+                <a:ea typeface="Helvetica Neue"/>
+                <a:cs typeface="Helvetica Neue"/>
+                <a:sym typeface="Helvetica Neue"/>
+              </a:rPr>
+              <a:t>Pour la variable body nous avons fait un traitement particulier. Comme je le disais au début, le body peut contenir du code. On ne voulait pas appliquer tel quel le traitement précédent sur le code (notamment la partie </a:t>
+            </a:r>
+            <a:r>
+              <a:rPr lang="fr-FR" sz="2200" dirty="0" err="1">
+                <a:latin typeface="Helvetica Neue"/>
+                <a:ea typeface="Helvetica Neue"/>
+                <a:cs typeface="Helvetica Neue"/>
+                <a:sym typeface="Helvetica Neue"/>
+              </a:rPr>
+              <a:t>stopwords</a:t>
+            </a:r>
+            <a:r>
+              <a:rPr lang="fr-FR" sz="2200" dirty="0">
+                <a:latin typeface="Helvetica Neue"/>
+                <a:ea typeface="Helvetica Neue"/>
+                <a:cs typeface="Helvetica Neue"/>
+                <a:sym typeface="Helvetica Neue"/>
+              </a:rPr>
+              <a:t>, </a:t>
+            </a:r>
+            <a:r>
+              <a:rPr lang="fr-FR" sz="2200" dirty="0" err="1">
+                <a:latin typeface="Helvetica Neue"/>
+                <a:ea typeface="Helvetica Neue"/>
+                <a:cs typeface="Helvetica Neue"/>
+                <a:sym typeface="Helvetica Neue"/>
+              </a:rPr>
+              <a:t>racinisation</a:t>
+            </a:r>
+            <a:r>
+              <a:rPr lang="fr-FR" sz="2200" dirty="0">
+                <a:latin typeface="Helvetica Neue"/>
+                <a:ea typeface="Helvetica Neue"/>
+                <a:cs typeface="Helvetica Neue"/>
+                <a:sym typeface="Helvetica Neue"/>
+              </a:rPr>
+              <a:t>). Nous avons pensé qu’avoir des </a:t>
+            </a:r>
+            <a:r>
+              <a:rPr lang="fr-FR" sz="2200" dirty="0" err="1">
+                <a:latin typeface="Helvetica Neue"/>
+                <a:ea typeface="Helvetica Neue"/>
+                <a:cs typeface="Helvetica Neue"/>
+                <a:sym typeface="Helvetica Neue"/>
+              </a:rPr>
+              <a:t>élèments</a:t>
+            </a:r>
+            <a:r>
+              <a:rPr lang="fr-FR" sz="2200" dirty="0">
+                <a:latin typeface="Helvetica Neue"/>
+                <a:ea typeface="Helvetica Neue"/>
+                <a:cs typeface="Helvetica Neue"/>
+                <a:sym typeface="Helvetica Neue"/>
+              </a:rPr>
+              <a:t> du code dans l’apprentissage pourrait faciliter la recherche de tags.</a:t>
+            </a:r>
+          </a:p>
+          <a:p>
+            <a:r>
+              <a:rPr lang="fr-FR" sz="2200" dirty="0">
+                <a:latin typeface="Helvetica Neue"/>
+                <a:ea typeface="Helvetica Neue"/>
+                <a:cs typeface="Helvetica Neue"/>
+                <a:sym typeface="Helvetica Neue"/>
+              </a:rPr>
+              <a:t>Nous avons donc séparer le code du reste de la question.</a:t>
+            </a:r>
+            <a:br>
+              <a:rPr lang="fr-FR" sz="2200" dirty="0">
+                <a:latin typeface="Helvetica Neue"/>
+                <a:ea typeface="Helvetica Neue"/>
+                <a:cs typeface="Helvetica Neue"/>
+                <a:sym typeface="Helvetica Neue"/>
+              </a:rPr>
+            </a:br>
+            <a:r>
+              <a:rPr lang="fr-FR" sz="2200" dirty="0">
+                <a:latin typeface="Helvetica Neue"/>
+                <a:ea typeface="Helvetica Neue"/>
+                <a:cs typeface="Helvetica Neue"/>
+                <a:sym typeface="Helvetica Neue"/>
+              </a:rPr>
+              <a:t>Et pour le code, juste supprimer les caractères spéciaux, mis en </a:t>
+            </a:r>
+            <a:r>
+              <a:rPr lang="fr-FR" sz="2200" dirty="0" err="1">
+                <a:latin typeface="Helvetica Neue"/>
+                <a:ea typeface="Helvetica Neue"/>
+                <a:cs typeface="Helvetica Neue"/>
+                <a:sym typeface="Helvetica Neue"/>
+              </a:rPr>
+              <a:t>miniuscule</a:t>
+            </a:r>
+            <a:r>
+              <a:rPr lang="fr-FR" sz="2200" dirty="0">
+                <a:latin typeface="Helvetica Neue"/>
+                <a:ea typeface="Helvetica Neue"/>
+                <a:cs typeface="Helvetica Neue"/>
+                <a:sym typeface="Helvetica Neue"/>
+              </a:rPr>
+              <a:t> et </a:t>
+            </a:r>
+            <a:r>
+              <a:rPr lang="fr-FR" sz="2200" dirty="0" err="1">
+                <a:latin typeface="Helvetica Neue"/>
+                <a:ea typeface="Helvetica Neue"/>
+                <a:cs typeface="Helvetica Neue"/>
+                <a:sym typeface="Helvetica Neue"/>
+              </a:rPr>
+              <a:t>tokeniser</a:t>
+            </a:r>
+            <a:r>
+              <a:rPr lang="fr-FR" sz="2200" dirty="0">
+                <a:latin typeface="Helvetica Neue"/>
+                <a:ea typeface="Helvetica Neue"/>
+                <a:cs typeface="Helvetica Neue"/>
+                <a:sym typeface="Helvetica Neue"/>
+              </a:rPr>
+              <a:t> le code.</a:t>
+            </a:r>
+          </a:p>
+          <a:p>
+            <a:endParaRPr lang="fr-FR" sz="2200" dirty="0">
+              <a:latin typeface="Helvetica Neue"/>
+              <a:ea typeface="Helvetica Neue"/>
+              <a:cs typeface="Helvetica Neue"/>
+              <a:sym typeface="Helvetica Neue"/>
+            </a:endParaRPr>
+          </a:p>
+          <a:p>
+            <a:r>
+              <a:rPr lang="fr-FR" sz="2200" dirty="0">
+                <a:latin typeface="Helvetica Neue"/>
+                <a:ea typeface="Helvetica Neue"/>
+                <a:cs typeface="Helvetica Neue"/>
+                <a:sym typeface="Helvetica Neue"/>
+              </a:rPr>
+              <a:t>Pour la partie tag, qui sont séparés par un &lt; et &gt;, nous avons récupéré les mots clés et mis dans une liste.</a:t>
+            </a:r>
+          </a:p>
+          <a:p>
+            <a:endParaRPr lang="fr-FR" sz="2200" dirty="0">
+              <a:latin typeface="Helvetica Neue"/>
+              <a:ea typeface="Helvetica Neue"/>
+              <a:cs typeface="Helvetica Neue"/>
+              <a:sym typeface="Helvetica Neue"/>
+            </a:endParaRPr>
+          </a:p>
+          <a:p>
+            <a:r>
+              <a:rPr lang="fr-FR" sz="2200" dirty="0">
+                <a:latin typeface="Helvetica Neue"/>
+                <a:ea typeface="Helvetica Neue"/>
+                <a:cs typeface="Helvetica Neue"/>
+                <a:sym typeface="Helvetica Neue"/>
+              </a:rPr>
+              <a:t>On a ensuite fait l’analyse de nos données pour mieux les </a:t>
+            </a:r>
+            <a:r>
+              <a:rPr lang="fr-FR" sz="2200" dirty="0" err="1">
+                <a:latin typeface="Helvetica Neue"/>
+                <a:ea typeface="Helvetica Neue"/>
+                <a:cs typeface="Helvetica Neue"/>
+                <a:sym typeface="Helvetica Neue"/>
+              </a:rPr>
+              <a:t>comprendres</a:t>
+            </a:r>
+            <a:r>
+              <a:rPr lang="fr-FR" sz="2200" dirty="0">
+                <a:latin typeface="Helvetica Neue"/>
+                <a:ea typeface="Helvetica Neue"/>
+                <a:cs typeface="Helvetica Neue"/>
+                <a:sym typeface="Helvetica Neue"/>
+              </a:rPr>
+              <a:t> avant d’appliquer la modélisation. Je ne vais pas les détailler ici faute de temps mais je vous invite à les consulter au niveau du notebook. J’ai juste mis un graphique illustrant le nombre d’occurrences des 50 tags les plus fréquents. On peut voir que </a:t>
+            </a:r>
+            <a:r>
+              <a:rPr lang="fr-FR" sz="2200" dirty="0" err="1">
+                <a:latin typeface="Helvetica Neue"/>
+                <a:ea typeface="Helvetica Neue"/>
+                <a:cs typeface="Helvetica Neue"/>
+                <a:sym typeface="Helvetica Neue"/>
+              </a:rPr>
+              <a:t>javascript</a:t>
+            </a:r>
+            <a:r>
+              <a:rPr lang="fr-FR" sz="2200" dirty="0">
+                <a:latin typeface="Helvetica Neue"/>
+                <a:ea typeface="Helvetica Neue"/>
+                <a:cs typeface="Helvetica Neue"/>
+                <a:sym typeface="Helvetica Neue"/>
+              </a:rPr>
+              <a:t>, </a:t>
+            </a:r>
+            <a:r>
+              <a:rPr lang="fr-FR" sz="2200" dirty="0" err="1">
+                <a:latin typeface="Helvetica Neue"/>
+                <a:ea typeface="Helvetica Neue"/>
+                <a:cs typeface="Helvetica Neue"/>
+                <a:sym typeface="Helvetica Neue"/>
+              </a:rPr>
+              <a:t>android</a:t>
+            </a:r>
+            <a:r>
+              <a:rPr lang="fr-FR" sz="2200" dirty="0">
+                <a:latin typeface="Helvetica Neue"/>
+                <a:ea typeface="Helvetica Neue"/>
+                <a:cs typeface="Helvetica Neue"/>
+                <a:sym typeface="Helvetica Neue"/>
+              </a:rPr>
+              <a:t> et python font parti du top 3 !</a:t>
             </a:r>
           </a:p>
         </p:txBody>
@@ -2460,7 +4296,7 @@
     </p:spTree>
     <p:extLst>
       <p:ext uri="{BB962C8B-B14F-4D97-AF65-F5344CB8AC3E}">
-        <p14:creationId xmlns:p14="http://schemas.microsoft.com/office/powerpoint/2010/main" val="1484066364"/>
+        <p14:creationId xmlns:p14="http://schemas.microsoft.com/office/powerpoint/2010/main" val="11363783"/>
       </p:ext>
     </p:extLst>
   </p:cSld>
@@ -2519,14 +4355,25 @@
           <a:bodyPr/>
           <a:lstStyle/>
           <a:p>
-            <a:endParaRPr lang="fr-FR" dirty="0"/>
+            <a:r>
+              <a:rPr lang="fr-FR" dirty="0"/>
+              <a:t>Une fois les données </a:t>
+            </a:r>
+            <a:r>
+              <a:rPr lang="fr-FR" dirty="0" err="1"/>
+              <a:t>pré-traités</a:t>
+            </a:r>
+            <a:r>
+              <a:rPr lang="fr-FR" dirty="0"/>
+              <a:t>, nous devons faire un certain nombre de transformation.</a:t>
+            </a:r>
           </a:p>
         </p:txBody>
       </p:sp>
     </p:spTree>
     <p:extLst>
       <p:ext uri="{BB962C8B-B14F-4D97-AF65-F5344CB8AC3E}">
-        <p14:creationId xmlns:p14="http://schemas.microsoft.com/office/powerpoint/2010/main" val="4126607703"/>
+        <p14:creationId xmlns:p14="http://schemas.microsoft.com/office/powerpoint/2010/main" val="1484066364"/>
       </p:ext>
     </p:extLst>
   </p:cSld>
@@ -4176,7 +6023,7 @@
           </a:ln>
           <a:extLst>
             <a:ext uri="{C572A759-6A51-4108-AA02-DFA0A04FC94B}">
-              <ma14:wrappingTextBoxFlag xmlns="" xmlns:ma14="http://schemas.microsoft.com/office/mac/drawingml/2011/main" val="1"/>
+              <ma14:wrappingTextBoxFlag xmlns:ma14="http://schemas.microsoft.com/office/mac/drawingml/2011/main" xmlns="" val="1"/>
             </a:ext>
           </a:extLst>
         </p:spPr>
@@ -4215,7 +6062,7 @@
           </a:ln>
           <a:extLst>
             <a:ext uri="{C572A759-6A51-4108-AA02-DFA0A04FC94B}">
-              <ma14:wrappingTextBoxFlag xmlns="" xmlns:ma14="http://schemas.microsoft.com/office/mac/drawingml/2011/main" val="1"/>
+              <ma14:wrappingTextBoxFlag xmlns:ma14="http://schemas.microsoft.com/office/mac/drawingml/2011/main" xmlns="" val="1"/>
             </a:ext>
           </a:extLst>
         </p:spPr>
@@ -5499,7 +7346,7 @@
           </a:ln>
           <a:extLst>
             <a:ext uri="{C572A759-6A51-4108-AA02-DFA0A04FC94B}">
-              <ma14:wrappingTextBoxFlag xmlns="" xmlns:ma14="http://schemas.microsoft.com/office/mac/drawingml/2011/main" val="1"/>
+              <ma14:wrappingTextBoxFlag xmlns:ma14="http://schemas.microsoft.com/office/mac/drawingml/2011/main" xmlns="" val="1"/>
             </a:ext>
           </a:extLst>
         </p:spPr>
@@ -6549,7 +8396,7 @@
           </a:ln>
           <a:extLst>
             <a:ext uri="{C572A759-6A51-4108-AA02-DFA0A04FC94B}">
-              <ma14:wrappingTextBoxFlag xmlns="" xmlns:ma14="http://schemas.microsoft.com/office/mac/drawingml/2011/main" val="1"/>
+              <ma14:wrappingTextBoxFlag xmlns:ma14="http://schemas.microsoft.com/office/mac/drawingml/2011/main" xmlns="" val="1"/>
             </a:ext>
           </a:extLst>
         </p:spPr>
@@ -7039,7 +8886,7 @@
               <a:rPr lang="fr-FR" sz="4000" dirty="0">
                 <a:latin typeface="Helvetica" pitchFamily="2" charset="0"/>
               </a:rPr>
-              <a:t>Méthode de pondération pour évaluer l’importance d’un document dans un document</a:t>
+              <a:t>Méthode de pondération pour évaluer l’importance d’un mot dans un document</a:t>
             </a:r>
           </a:p>
           <a:p>
@@ -7096,7 +8943,7 @@
               <a:rPr lang="fr-FR" sz="3600" dirty="0">
                 <a:latin typeface="Helvetica" pitchFamily="2" charset="0"/>
               </a:rPr>
-              <a:t>IDF : Fréquence inverse du document</a:t>
+              <a:t>IDF : Fréquence inverse du document ( mesure de l'importance du terme dans l'ensemble du corpus)</a:t>
             </a:r>
           </a:p>
           <a:p>
@@ -8289,7 +10136,7 @@
           </a:ln>
           <a:extLst>
             <a:ext uri="{C572A759-6A51-4108-AA02-DFA0A04FC94B}">
-              <ma14:wrappingTextBoxFlag xmlns="" xmlns:ma14="http://schemas.microsoft.com/office/mac/drawingml/2011/main" val="1"/>
+              <ma14:wrappingTextBoxFlag xmlns:ma14="http://schemas.microsoft.com/office/mac/drawingml/2011/main" xmlns="" val="1"/>
             </a:ext>
           </a:extLst>
         </p:spPr>
@@ -9165,7 +11012,7 @@
           </a:ln>
           <a:extLst>
             <a:ext uri="{C572A759-6A51-4108-AA02-DFA0A04FC94B}">
-              <ma14:wrappingTextBoxFlag xmlns="" xmlns:ma14="http://schemas.microsoft.com/office/mac/drawingml/2011/main" val="1"/>
+              <ma14:wrappingTextBoxFlag xmlns:ma14="http://schemas.microsoft.com/office/mac/drawingml/2011/main" xmlns="" val="1"/>
             </a:ext>
           </a:extLst>
         </p:spPr>
@@ -11379,7 +13226,7 @@
         <p:spPr>
           <a:xfrm>
             <a:off x="846211" y="8001000"/>
-            <a:ext cx="23537789" cy="4571999"/>
+            <a:ext cx="22699589" cy="4571999"/>
           </a:xfrm>
           <a:prstGeom prst="rect">
             <a:avLst/>
@@ -11389,7 +13236,7 @@
           </a:ln>
           <a:extLst>
             <a:ext uri="{C572A759-6A51-4108-AA02-DFA0A04FC94B}">
-              <ma14:wrappingTextBoxFlag xmlns="" xmlns:ma14="http://schemas.microsoft.com/office/mac/drawingml/2011/main" val="1"/>
+              <ma14:wrappingTextBoxFlag xmlns:ma14="http://schemas.microsoft.com/office/mac/drawingml/2011/main" xmlns="" val="1"/>
             </a:ext>
           </a:extLst>
         </p:spPr>
@@ -11674,7 +13521,7 @@
             </a:pPr>
             <a:r>
               <a:rPr lang="fr-FR" sz="4000" dirty="0"/>
-              <a:t>Modèle permettant de déterminer des sujets (topics) dans un ensemble de documents</a:t>
+              <a:t>Analyse statistique de texte</a:t>
             </a:r>
           </a:p>
           <a:p>
@@ -11691,7 +13538,7 @@
             </a:pPr>
             <a:r>
               <a:rPr lang="fr-FR" sz="4000" dirty="0"/>
-              <a:t>Extraction des sujets de façon non supervisée</a:t>
+              <a:t>Apprentissage non supervisé pour découvrir des sujets latents dans le corpus</a:t>
             </a:r>
           </a:p>
           <a:p>
@@ -11708,8 +13555,39 @@
             </a:pPr>
             <a:r>
               <a:rPr lang="fr-FR" sz="4000" dirty="0"/>
-              <a:t>Capable de déterminer les sujets présents dans un document en observant tous les mots de celui-ci et en produisant une distribution des sujets</a:t>
-            </a:r>
+              <a:t>Permet d’assigner les sujets détectés à ces différents documents</a:t>
+            </a:r>
+          </a:p>
+          <a:p>
+            <a:pPr>
+              <a:spcBef>
+                <a:spcPts val="1200"/>
+              </a:spcBef>
+              <a:spcAft>
+                <a:spcPts val="1200"/>
+              </a:spcAft>
+              <a:buSzTx/>
+              <a:buFont typeface="Wingdings" pitchFamily="2" charset="2"/>
+              <a:buChar char="§"/>
+            </a:pPr>
+            <a:r>
+              <a:rPr lang="fr-FR" sz="4000" dirty="0"/>
+              <a:t>Donne des informations sur la sémantique d’un document.</a:t>
+            </a:r>
+          </a:p>
+          <a:p>
+            <a:pPr>
+              <a:spcBef>
+                <a:spcPts val="1200"/>
+              </a:spcBef>
+              <a:spcAft>
+                <a:spcPts val="1200"/>
+              </a:spcAft>
+              <a:buSzTx/>
+              <a:buFont typeface="Wingdings" pitchFamily="2" charset="2"/>
+              <a:buChar char="§"/>
+            </a:pPr>
+            <a:endParaRPr lang="fr-FR" sz="4000" dirty="0"/>
           </a:p>
         </p:txBody>
       </p:sp>
@@ -13411,7 +15289,7 @@
           </a:ln>
           <a:extLst>
             <a:ext uri="{C572A759-6A51-4108-AA02-DFA0A04FC94B}">
-              <ma14:wrappingTextBoxFlag xmlns="" xmlns:ma14="http://schemas.microsoft.com/office/mac/drawingml/2011/main" val="1"/>
+              <ma14:wrappingTextBoxFlag xmlns:ma14="http://schemas.microsoft.com/office/mac/drawingml/2011/main" xmlns="" val="1"/>
             </a:ext>
           </a:extLst>
         </p:spPr>
@@ -13986,7 +15864,7 @@
           </a:ln>
           <a:extLst>
             <a:ext uri="{C572A759-6A51-4108-AA02-DFA0A04FC94B}">
-              <ma14:wrappingTextBoxFlag xmlns="" xmlns:ma14="http://schemas.microsoft.com/office/mac/drawingml/2011/main" val="1"/>
+              <ma14:wrappingTextBoxFlag xmlns:ma14="http://schemas.microsoft.com/office/mac/drawingml/2011/main" xmlns="" val="1"/>
             </a:ext>
           </a:extLst>
         </p:spPr>
@@ -14489,7 +16367,7 @@
           </a:ln>
           <a:extLst>
             <a:ext uri="{C572A759-6A51-4108-AA02-DFA0A04FC94B}">
-              <ma14:wrappingTextBoxFlag xmlns="" xmlns:ma14="http://schemas.microsoft.com/office/mac/drawingml/2011/main" val="1"/>
+              <ma14:wrappingTextBoxFlag xmlns:ma14="http://schemas.microsoft.com/office/mac/drawingml/2011/main" xmlns="" val="1"/>
             </a:ext>
           </a:extLst>
         </p:spPr>
@@ -15151,7 +17029,7 @@
           </a:ln>
           <a:extLst>
             <a:ext uri="{C572A759-6A51-4108-AA02-DFA0A04FC94B}">
-              <ma14:wrappingTextBoxFlag xmlns="" xmlns:ma14="http://schemas.microsoft.com/office/mac/drawingml/2011/main" val="1"/>
+              <ma14:wrappingTextBoxFlag xmlns:ma14="http://schemas.microsoft.com/office/mac/drawingml/2011/main" xmlns="" val="1"/>
             </a:ext>
           </a:extLst>
         </p:spPr>
@@ -15605,7 +17483,13 @@
       </p:grpSpPr>
       <p:sp>
         <p:nvSpPr>
-          <p:cNvPr id="123" name="Shape 123"/>
+          <p:cNvPr id="2" name="Titre 1">
+            <a:extLst>
+              <a:ext uri="{FF2B5EF4-FFF2-40B4-BE49-F238E27FC236}">
+                <a16:creationId xmlns:a16="http://schemas.microsoft.com/office/drawing/2014/main" id="{BF820983-4C33-814E-ACA7-AEBD3AD61798}"/>
+              </a:ext>
+            </a:extLst>
+          </p:cNvPr>
           <p:cNvSpPr>
             <a:spLocks noGrp="1"/>
           </p:cNvSpPr>
@@ -15613,29 +17497,24 @@
             <p:ph type="title"/>
           </p:nvPr>
         </p:nvSpPr>
-        <p:spPr>
-          <a:prstGeom prst="rect">
-            <a:avLst/>
-          </a:prstGeom>
-        </p:spPr>
+        <p:spPr/>
         <p:txBody>
           <a:bodyPr/>
           <a:lstStyle/>
           <a:p>
             <a:r>
               <a:rPr lang="fr-FR" dirty="0"/>
-              <a:t>Apprentissage supervisé</a:t>
-            </a:r>
-            <a:endParaRPr dirty="0"/>
+              <a:t>Exemple sortie LDA</a:t>
+            </a:r>
           </a:p>
         </p:txBody>
       </p:sp>
       <p:sp>
         <p:nvSpPr>
-          <p:cNvPr id="2" name="Espace réservé du numéro de diapositive 1">
+          <p:cNvPr id="4" name="Espace réservé du numéro de diapositive 3">
             <a:extLst>
               <a:ext uri="{FF2B5EF4-FFF2-40B4-BE49-F238E27FC236}">
-                <a16:creationId xmlns:a16="http://schemas.microsoft.com/office/drawing/2014/main" id="{E13A5CFC-BF58-F745-A932-24B3B5764942}"/>
+                <a16:creationId xmlns:a16="http://schemas.microsoft.com/office/drawing/2014/main" id="{E5E1A748-1AC2-E14E-BB79-24ECDA6F4B39}"/>
               </a:ext>
             </a:extLst>
           </p:cNvPr>
@@ -15655,21 +17534,729 @@
               <a:rPr lang="fr-RE" smtClean="0"/>
               <a:t>19</a:t>
             </a:fld>
-            <a:endParaRPr lang="fr-RE"/>
+            <a:endParaRPr lang="fr-RE" dirty="0"/>
+          </a:p>
+        </p:txBody>
+      </p:sp>
+      <p:pic>
+        <p:nvPicPr>
+          <p:cNvPr id="8" name="Image 7">
+            <a:extLst>
+              <a:ext uri="{FF2B5EF4-FFF2-40B4-BE49-F238E27FC236}">
+                <a16:creationId xmlns:a16="http://schemas.microsoft.com/office/drawing/2014/main" id="{199A3DD1-09EF-704A-819E-A32EBE79CCC6}"/>
+              </a:ext>
+            </a:extLst>
+          </p:cNvPr>
+          <p:cNvPicPr>
+            <a:picLocks noChangeAspect="1"/>
+          </p:cNvPicPr>
+          <p:nvPr/>
+        </p:nvPicPr>
+        <p:blipFill>
+          <a:blip r:embed="rId3">
+            <a:extLst>
+              <a:ext uri="{28A0092B-C50C-407E-A947-70E740481C1C}">
+                <a14:useLocalDpi xmlns:a14="http://schemas.microsoft.com/office/drawing/2010/main" val="0"/>
+              </a:ext>
+            </a:extLst>
+          </a:blip>
+          <a:stretch>
+            <a:fillRect/>
+          </a:stretch>
+        </p:blipFill>
+        <p:spPr>
+          <a:xfrm>
+            <a:off x="948872" y="2407558"/>
+            <a:ext cx="14062528" cy="4359383"/>
+          </a:xfrm>
+          <a:prstGeom prst="rect">
+            <a:avLst/>
+          </a:prstGeom>
+        </p:spPr>
+      </p:pic>
+      <p:pic>
+        <p:nvPicPr>
+          <p:cNvPr id="9" name="Image 8">
+            <a:extLst>
+              <a:ext uri="{FF2B5EF4-FFF2-40B4-BE49-F238E27FC236}">
+                <a16:creationId xmlns:a16="http://schemas.microsoft.com/office/drawing/2014/main" id="{5E38072E-EF4E-2249-A0AB-4D4A0F1A2845}"/>
+              </a:ext>
+            </a:extLst>
+          </p:cNvPr>
+          <p:cNvPicPr>
+            <a:picLocks noChangeAspect="1"/>
+          </p:cNvPicPr>
+          <p:nvPr/>
+        </p:nvPicPr>
+        <p:blipFill>
+          <a:blip r:embed="rId4"/>
+          <a:stretch>
+            <a:fillRect/>
+          </a:stretch>
+        </p:blipFill>
+        <p:spPr>
+          <a:xfrm>
+            <a:off x="9342876" y="7868558"/>
+            <a:ext cx="13352023" cy="4622800"/>
+          </a:xfrm>
+          <a:prstGeom prst="rect">
+            <a:avLst/>
+          </a:prstGeom>
+        </p:spPr>
+      </p:pic>
+      <p:sp>
+        <p:nvSpPr>
+          <p:cNvPr id="10" name="Espace réservé du texte 3">
+            <a:extLst>
+              <a:ext uri="{FF2B5EF4-FFF2-40B4-BE49-F238E27FC236}">
+                <a16:creationId xmlns:a16="http://schemas.microsoft.com/office/drawing/2014/main" id="{36A23603-B1A8-314E-9B0D-9B4FE6D49369}"/>
+              </a:ext>
+            </a:extLst>
+          </p:cNvPr>
+          <p:cNvSpPr txBox="1">
+            <a:spLocks/>
+          </p:cNvSpPr>
+          <p:nvPr/>
+        </p:nvSpPr>
+        <p:spPr>
+          <a:xfrm>
+            <a:off x="15593113" y="3682340"/>
+            <a:ext cx="4569407" cy="1455718"/>
+          </a:xfrm>
+          <a:prstGeom prst="rect">
+            <a:avLst/>
+          </a:prstGeom>
+          <a:ln w="12700">
+            <a:miter lim="400000"/>
+          </a:ln>
+          <a:extLst>
+            <a:ext uri="{C572A759-6A51-4108-AA02-DFA0A04FC94B}">
+              <ma14:wrappingTextBoxFlag xmlns:ma14="http://schemas.microsoft.com/office/mac/drawingml/2011/main" xmlns="" val="1"/>
+            </a:ext>
+          </a:extLst>
+        </p:spPr>
+        <p:txBody>
+          <a:bodyPr lIns="50800" tIns="50800" rIns="50800" bIns="50800" anchor="ctr">
+            <a:noAutofit/>
+          </a:bodyPr>
+          <a:lstStyle>
+            <a:lvl1pPr marL="635000" marR="0" indent="-635000" algn="l" defTabSz="825500" rtl="0" latinLnBrk="0">
+              <a:lnSpc>
+                <a:spcPct val="100000"/>
+              </a:lnSpc>
+              <a:spcBef>
+                <a:spcPts val="3500"/>
+              </a:spcBef>
+              <a:spcAft>
+                <a:spcPts val="0"/>
+              </a:spcAft>
+              <a:buClrTx/>
+              <a:buSzPct val="75000"/>
+              <a:buFont typeface="Wingdings" charset="2"/>
+              <a:buChar char="q"/>
+              <a:tabLst/>
+              <a:defRPr sz="4800" b="0" i="0" u="none" strike="noStrike" cap="none" spc="0" baseline="0">
+                <a:ln>
+                  <a:noFill/>
+                </a:ln>
+                <a:solidFill>
+                  <a:srgbClr val="000000"/>
+                </a:solidFill>
+                <a:uFillTx/>
+                <a:latin typeface="Helvetica Neue" charset="0"/>
+                <a:ea typeface="Helvetica Neue" charset="0"/>
+                <a:cs typeface="Helvetica Neue" charset="0"/>
+                <a:sym typeface="Helvetica Light"/>
+              </a:defRPr>
+            </a:lvl1pPr>
+            <a:lvl2pPr marL="1270000" marR="0" indent="-635000" algn="l" defTabSz="825500" rtl="0" latinLnBrk="0">
+              <a:lnSpc>
+                <a:spcPct val="100000"/>
+              </a:lnSpc>
+              <a:spcBef>
+                <a:spcPts val="5900"/>
+              </a:spcBef>
+              <a:spcAft>
+                <a:spcPts val="0"/>
+              </a:spcAft>
+              <a:buClrTx/>
+              <a:buSzPct val="75000"/>
+              <a:buFont typeface="Wingdings" charset="2"/>
+              <a:buChar char="§"/>
+              <a:tabLst/>
+              <a:defRPr sz="5200" b="0" i="0" u="none" strike="noStrike" cap="none" spc="0" baseline="0">
+                <a:ln>
+                  <a:noFill/>
+                </a:ln>
+                <a:solidFill>
+                  <a:srgbClr val="000000"/>
+                </a:solidFill>
+                <a:uFillTx/>
+                <a:latin typeface="+mn-lt"/>
+                <a:ea typeface="+mn-ea"/>
+                <a:cs typeface="+mn-cs"/>
+                <a:sym typeface="Helvetica Light"/>
+              </a:defRPr>
+            </a:lvl2pPr>
+            <a:lvl3pPr marL="1905000" marR="0" indent="-635000" algn="l" defTabSz="825500" rtl="0" latinLnBrk="0">
+              <a:lnSpc>
+                <a:spcPct val="100000"/>
+              </a:lnSpc>
+              <a:spcBef>
+                <a:spcPts val="600"/>
+              </a:spcBef>
+              <a:spcAft>
+                <a:spcPts val="0"/>
+              </a:spcAft>
+              <a:buClrTx/>
+              <a:buSzPct val="75000"/>
+              <a:buFontTx/>
+              <a:buChar char="•"/>
+              <a:tabLst/>
+              <a:defRPr sz="4400" b="0" i="0" u="none" strike="noStrike" cap="none" spc="0" baseline="0">
+                <a:ln>
+                  <a:noFill/>
+                </a:ln>
+                <a:solidFill>
+                  <a:srgbClr val="000000"/>
+                </a:solidFill>
+                <a:uFillTx/>
+                <a:latin typeface="Helvetica Neue" charset="0"/>
+                <a:ea typeface="Helvetica Neue" charset="0"/>
+                <a:cs typeface="Helvetica Neue" charset="0"/>
+                <a:sym typeface="Helvetica Light"/>
+              </a:defRPr>
+            </a:lvl3pPr>
+            <a:lvl4pPr marL="2540000" marR="0" indent="-635000" algn="l" defTabSz="825500" rtl="0" latinLnBrk="0">
+              <a:lnSpc>
+                <a:spcPct val="100000"/>
+              </a:lnSpc>
+              <a:spcBef>
+                <a:spcPts val="5900"/>
+              </a:spcBef>
+              <a:spcAft>
+                <a:spcPts val="0"/>
+              </a:spcAft>
+              <a:buClrTx/>
+              <a:buSzPct val="75000"/>
+              <a:buFontTx/>
+              <a:buChar char="•"/>
+              <a:tabLst/>
+              <a:defRPr sz="5200" b="0" i="0" u="none" strike="noStrike" cap="none" spc="0" baseline="0">
+                <a:ln>
+                  <a:noFill/>
+                </a:ln>
+                <a:solidFill>
+                  <a:srgbClr val="000000"/>
+                </a:solidFill>
+                <a:uFillTx/>
+                <a:latin typeface="+mn-lt"/>
+                <a:ea typeface="+mn-ea"/>
+                <a:cs typeface="+mn-cs"/>
+                <a:sym typeface="Helvetica Light"/>
+              </a:defRPr>
+            </a:lvl4pPr>
+            <a:lvl5pPr marL="3175000" marR="0" indent="-635000" algn="l" defTabSz="825500" rtl="0" latinLnBrk="0">
+              <a:lnSpc>
+                <a:spcPct val="100000"/>
+              </a:lnSpc>
+              <a:spcBef>
+                <a:spcPts val="600"/>
+              </a:spcBef>
+              <a:spcAft>
+                <a:spcPts val="0"/>
+              </a:spcAft>
+              <a:buClrTx/>
+              <a:buSzPct val="75000"/>
+              <a:buFontTx/>
+              <a:buChar char="•"/>
+              <a:tabLst/>
+              <a:defRPr sz="4000" b="0" i="0" u="none" strike="noStrike" cap="none" spc="0" baseline="0">
+                <a:ln>
+                  <a:noFill/>
+                </a:ln>
+                <a:solidFill>
+                  <a:srgbClr val="000000"/>
+                </a:solidFill>
+                <a:uFillTx/>
+                <a:latin typeface="Helvetica Neue" charset="0"/>
+                <a:ea typeface="Helvetica Neue" charset="0"/>
+                <a:cs typeface="Helvetica Neue" charset="0"/>
+                <a:sym typeface="Helvetica Light"/>
+              </a:defRPr>
+            </a:lvl5pPr>
+            <a:lvl6pPr marL="3810000" marR="0" indent="-635000" algn="l" defTabSz="825500" rtl="0" latinLnBrk="0">
+              <a:lnSpc>
+                <a:spcPct val="100000"/>
+              </a:lnSpc>
+              <a:spcBef>
+                <a:spcPts val="5900"/>
+              </a:spcBef>
+              <a:spcAft>
+                <a:spcPts val="0"/>
+              </a:spcAft>
+              <a:buClrTx/>
+              <a:buSzPct val="75000"/>
+              <a:buFontTx/>
+              <a:buChar char="•"/>
+              <a:tabLst/>
+              <a:defRPr sz="5200" b="0" i="0" u="none" strike="noStrike" cap="none" spc="0" baseline="0">
+                <a:ln>
+                  <a:noFill/>
+                </a:ln>
+                <a:solidFill>
+                  <a:srgbClr val="000000"/>
+                </a:solidFill>
+                <a:uFillTx/>
+                <a:latin typeface="+mn-lt"/>
+                <a:ea typeface="+mn-ea"/>
+                <a:cs typeface="+mn-cs"/>
+                <a:sym typeface="Helvetica Light"/>
+              </a:defRPr>
+            </a:lvl6pPr>
+            <a:lvl7pPr marL="4445000" marR="0" indent="-635000" algn="l" defTabSz="825500" rtl="0" latinLnBrk="0">
+              <a:lnSpc>
+                <a:spcPct val="100000"/>
+              </a:lnSpc>
+              <a:spcBef>
+                <a:spcPts val="600"/>
+              </a:spcBef>
+              <a:spcAft>
+                <a:spcPts val="0"/>
+              </a:spcAft>
+              <a:buClrTx/>
+              <a:buSzPct val="75000"/>
+              <a:buFontTx/>
+              <a:buChar char="•"/>
+              <a:tabLst/>
+              <a:defRPr sz="4000" b="0" i="0" u="none" strike="noStrike" cap="none" spc="0" baseline="0">
+                <a:ln>
+                  <a:noFill/>
+                </a:ln>
+                <a:solidFill>
+                  <a:srgbClr val="000000"/>
+                </a:solidFill>
+                <a:uFillTx/>
+                <a:latin typeface="Helvetica Neue" charset="0"/>
+                <a:ea typeface="Helvetica Neue" charset="0"/>
+                <a:cs typeface="Helvetica Neue" charset="0"/>
+                <a:sym typeface="Helvetica Light"/>
+              </a:defRPr>
+            </a:lvl7pPr>
+            <a:lvl8pPr marL="5080000" marR="0" indent="-635000" algn="l" defTabSz="825500" rtl="0" latinLnBrk="0">
+              <a:lnSpc>
+                <a:spcPct val="100000"/>
+              </a:lnSpc>
+              <a:spcBef>
+                <a:spcPts val="5900"/>
+              </a:spcBef>
+              <a:spcAft>
+                <a:spcPts val="0"/>
+              </a:spcAft>
+              <a:buClrTx/>
+              <a:buSzPct val="75000"/>
+              <a:buFontTx/>
+              <a:buChar char="•"/>
+              <a:tabLst/>
+              <a:defRPr sz="5200" b="0" i="0" u="none" strike="noStrike" cap="none" spc="0" baseline="0">
+                <a:ln>
+                  <a:noFill/>
+                </a:ln>
+                <a:solidFill>
+                  <a:srgbClr val="000000"/>
+                </a:solidFill>
+                <a:uFillTx/>
+                <a:latin typeface="+mn-lt"/>
+                <a:ea typeface="+mn-ea"/>
+                <a:cs typeface="+mn-cs"/>
+                <a:sym typeface="Helvetica Light"/>
+              </a:defRPr>
+            </a:lvl8pPr>
+            <a:lvl9pPr marL="5715000" marR="0" indent="-635000" algn="l" defTabSz="825500" rtl="0" latinLnBrk="0">
+              <a:lnSpc>
+                <a:spcPct val="100000"/>
+              </a:lnSpc>
+              <a:spcBef>
+                <a:spcPts val="600"/>
+              </a:spcBef>
+              <a:spcAft>
+                <a:spcPts val="0"/>
+              </a:spcAft>
+              <a:buClrTx/>
+              <a:buSzPct val="75000"/>
+              <a:buFontTx/>
+              <a:buChar char="•"/>
+              <a:tabLst/>
+              <a:defRPr sz="4000" b="0" i="0" u="none" strike="noStrike" cap="none" spc="0" baseline="0">
+                <a:ln>
+                  <a:noFill/>
+                </a:ln>
+                <a:solidFill>
+                  <a:srgbClr val="000000"/>
+                </a:solidFill>
+                <a:uFillTx/>
+                <a:latin typeface="Helvetica Neue" charset="0"/>
+                <a:ea typeface="Helvetica Neue" charset="0"/>
+                <a:cs typeface="Helvetica Neue" charset="0"/>
+                <a:sym typeface="Helvetica Light"/>
+              </a:defRPr>
+            </a:lvl9pPr>
+          </a:lstStyle>
+          <a:p>
+            <a:pPr marL="0" indent="0">
+              <a:spcBef>
+                <a:spcPts val="1200"/>
+              </a:spcBef>
+              <a:spcAft>
+                <a:spcPts val="1200"/>
+              </a:spcAft>
+              <a:buSzTx/>
+              <a:buNone/>
+            </a:pPr>
+            <a:r>
+              <a:rPr lang="fr-RE" sz="4000" b="1" dirty="0">
+                <a:latin typeface="Helvetica" pitchFamily="2" charset="0"/>
+              </a:rPr>
+              <a:t>Topics / Mots</a:t>
+            </a:r>
+            <a:endParaRPr lang="fr-RE" sz="4000" dirty="0">
+              <a:latin typeface="Helvetica" pitchFamily="2" charset="0"/>
+            </a:endParaRPr>
+          </a:p>
+        </p:txBody>
+      </p:sp>
+      <p:sp>
+        <p:nvSpPr>
+          <p:cNvPr id="11" name="Espace réservé du texte 3">
+            <a:extLst>
+              <a:ext uri="{FF2B5EF4-FFF2-40B4-BE49-F238E27FC236}">
+                <a16:creationId xmlns:a16="http://schemas.microsoft.com/office/drawing/2014/main" id="{A3901C31-C3DD-7248-8BC2-BCD4A632681E}"/>
+              </a:ext>
+            </a:extLst>
+          </p:cNvPr>
+          <p:cNvSpPr txBox="1">
+            <a:spLocks/>
+          </p:cNvSpPr>
+          <p:nvPr/>
+        </p:nvSpPr>
+        <p:spPr>
+          <a:xfrm>
+            <a:off x="4224073" y="9452099"/>
+            <a:ext cx="4569407" cy="1455718"/>
+          </a:xfrm>
+          <a:prstGeom prst="rect">
+            <a:avLst/>
+          </a:prstGeom>
+          <a:ln w="12700">
+            <a:miter lim="400000"/>
+          </a:ln>
+          <a:extLst>
+            <a:ext uri="{C572A759-6A51-4108-AA02-DFA0A04FC94B}">
+              <ma14:wrappingTextBoxFlag xmlns:ma14="http://schemas.microsoft.com/office/mac/drawingml/2011/main" xmlns="" val="1"/>
+            </a:ext>
+          </a:extLst>
+        </p:spPr>
+        <p:txBody>
+          <a:bodyPr lIns="50800" tIns="50800" rIns="50800" bIns="50800" anchor="ctr">
+            <a:noAutofit/>
+          </a:bodyPr>
+          <a:lstStyle>
+            <a:lvl1pPr marL="635000" marR="0" indent="-635000" algn="l" defTabSz="825500" rtl="0" latinLnBrk="0">
+              <a:lnSpc>
+                <a:spcPct val="100000"/>
+              </a:lnSpc>
+              <a:spcBef>
+                <a:spcPts val="3500"/>
+              </a:spcBef>
+              <a:spcAft>
+                <a:spcPts val="0"/>
+              </a:spcAft>
+              <a:buClrTx/>
+              <a:buSzPct val="75000"/>
+              <a:buFont typeface="Wingdings" charset="2"/>
+              <a:buChar char="q"/>
+              <a:tabLst/>
+              <a:defRPr sz="4800" b="0" i="0" u="none" strike="noStrike" cap="none" spc="0" baseline="0">
+                <a:ln>
+                  <a:noFill/>
+                </a:ln>
+                <a:solidFill>
+                  <a:srgbClr val="000000"/>
+                </a:solidFill>
+                <a:uFillTx/>
+                <a:latin typeface="Helvetica Neue" charset="0"/>
+                <a:ea typeface="Helvetica Neue" charset="0"/>
+                <a:cs typeface="Helvetica Neue" charset="0"/>
+                <a:sym typeface="Helvetica Light"/>
+              </a:defRPr>
+            </a:lvl1pPr>
+            <a:lvl2pPr marL="1270000" marR="0" indent="-635000" algn="l" defTabSz="825500" rtl="0" latinLnBrk="0">
+              <a:lnSpc>
+                <a:spcPct val="100000"/>
+              </a:lnSpc>
+              <a:spcBef>
+                <a:spcPts val="5900"/>
+              </a:spcBef>
+              <a:spcAft>
+                <a:spcPts val="0"/>
+              </a:spcAft>
+              <a:buClrTx/>
+              <a:buSzPct val="75000"/>
+              <a:buFont typeface="Wingdings" charset="2"/>
+              <a:buChar char="§"/>
+              <a:tabLst/>
+              <a:defRPr sz="5200" b="0" i="0" u="none" strike="noStrike" cap="none" spc="0" baseline="0">
+                <a:ln>
+                  <a:noFill/>
+                </a:ln>
+                <a:solidFill>
+                  <a:srgbClr val="000000"/>
+                </a:solidFill>
+                <a:uFillTx/>
+                <a:latin typeface="+mn-lt"/>
+                <a:ea typeface="+mn-ea"/>
+                <a:cs typeface="+mn-cs"/>
+                <a:sym typeface="Helvetica Light"/>
+              </a:defRPr>
+            </a:lvl2pPr>
+            <a:lvl3pPr marL="1905000" marR="0" indent="-635000" algn="l" defTabSz="825500" rtl="0" latinLnBrk="0">
+              <a:lnSpc>
+                <a:spcPct val="100000"/>
+              </a:lnSpc>
+              <a:spcBef>
+                <a:spcPts val="600"/>
+              </a:spcBef>
+              <a:spcAft>
+                <a:spcPts val="0"/>
+              </a:spcAft>
+              <a:buClrTx/>
+              <a:buSzPct val="75000"/>
+              <a:buFontTx/>
+              <a:buChar char="•"/>
+              <a:tabLst/>
+              <a:defRPr sz="4400" b="0" i="0" u="none" strike="noStrike" cap="none" spc="0" baseline="0">
+                <a:ln>
+                  <a:noFill/>
+                </a:ln>
+                <a:solidFill>
+                  <a:srgbClr val="000000"/>
+                </a:solidFill>
+                <a:uFillTx/>
+                <a:latin typeface="Helvetica Neue" charset="0"/>
+                <a:ea typeface="Helvetica Neue" charset="0"/>
+                <a:cs typeface="Helvetica Neue" charset="0"/>
+                <a:sym typeface="Helvetica Light"/>
+              </a:defRPr>
+            </a:lvl3pPr>
+            <a:lvl4pPr marL="2540000" marR="0" indent="-635000" algn="l" defTabSz="825500" rtl="0" latinLnBrk="0">
+              <a:lnSpc>
+                <a:spcPct val="100000"/>
+              </a:lnSpc>
+              <a:spcBef>
+                <a:spcPts val="5900"/>
+              </a:spcBef>
+              <a:spcAft>
+                <a:spcPts val="0"/>
+              </a:spcAft>
+              <a:buClrTx/>
+              <a:buSzPct val="75000"/>
+              <a:buFontTx/>
+              <a:buChar char="•"/>
+              <a:tabLst/>
+              <a:defRPr sz="5200" b="0" i="0" u="none" strike="noStrike" cap="none" spc="0" baseline="0">
+                <a:ln>
+                  <a:noFill/>
+                </a:ln>
+                <a:solidFill>
+                  <a:srgbClr val="000000"/>
+                </a:solidFill>
+                <a:uFillTx/>
+                <a:latin typeface="+mn-lt"/>
+                <a:ea typeface="+mn-ea"/>
+                <a:cs typeface="+mn-cs"/>
+                <a:sym typeface="Helvetica Light"/>
+              </a:defRPr>
+            </a:lvl4pPr>
+            <a:lvl5pPr marL="3175000" marR="0" indent="-635000" algn="l" defTabSz="825500" rtl="0" latinLnBrk="0">
+              <a:lnSpc>
+                <a:spcPct val="100000"/>
+              </a:lnSpc>
+              <a:spcBef>
+                <a:spcPts val="600"/>
+              </a:spcBef>
+              <a:spcAft>
+                <a:spcPts val="0"/>
+              </a:spcAft>
+              <a:buClrTx/>
+              <a:buSzPct val="75000"/>
+              <a:buFontTx/>
+              <a:buChar char="•"/>
+              <a:tabLst/>
+              <a:defRPr sz="4000" b="0" i="0" u="none" strike="noStrike" cap="none" spc="0" baseline="0">
+                <a:ln>
+                  <a:noFill/>
+                </a:ln>
+                <a:solidFill>
+                  <a:srgbClr val="000000"/>
+                </a:solidFill>
+                <a:uFillTx/>
+                <a:latin typeface="Helvetica Neue" charset="0"/>
+                <a:ea typeface="Helvetica Neue" charset="0"/>
+                <a:cs typeface="Helvetica Neue" charset="0"/>
+                <a:sym typeface="Helvetica Light"/>
+              </a:defRPr>
+            </a:lvl5pPr>
+            <a:lvl6pPr marL="3810000" marR="0" indent="-635000" algn="l" defTabSz="825500" rtl="0" latinLnBrk="0">
+              <a:lnSpc>
+                <a:spcPct val="100000"/>
+              </a:lnSpc>
+              <a:spcBef>
+                <a:spcPts val="5900"/>
+              </a:spcBef>
+              <a:spcAft>
+                <a:spcPts val="0"/>
+              </a:spcAft>
+              <a:buClrTx/>
+              <a:buSzPct val="75000"/>
+              <a:buFontTx/>
+              <a:buChar char="•"/>
+              <a:tabLst/>
+              <a:defRPr sz="5200" b="0" i="0" u="none" strike="noStrike" cap="none" spc="0" baseline="0">
+                <a:ln>
+                  <a:noFill/>
+                </a:ln>
+                <a:solidFill>
+                  <a:srgbClr val="000000"/>
+                </a:solidFill>
+                <a:uFillTx/>
+                <a:latin typeface="+mn-lt"/>
+                <a:ea typeface="+mn-ea"/>
+                <a:cs typeface="+mn-cs"/>
+                <a:sym typeface="Helvetica Light"/>
+              </a:defRPr>
+            </a:lvl6pPr>
+            <a:lvl7pPr marL="4445000" marR="0" indent="-635000" algn="l" defTabSz="825500" rtl="0" latinLnBrk="0">
+              <a:lnSpc>
+                <a:spcPct val="100000"/>
+              </a:lnSpc>
+              <a:spcBef>
+                <a:spcPts val="600"/>
+              </a:spcBef>
+              <a:spcAft>
+                <a:spcPts val="0"/>
+              </a:spcAft>
+              <a:buClrTx/>
+              <a:buSzPct val="75000"/>
+              <a:buFontTx/>
+              <a:buChar char="•"/>
+              <a:tabLst/>
+              <a:defRPr sz="4000" b="0" i="0" u="none" strike="noStrike" cap="none" spc="0" baseline="0">
+                <a:ln>
+                  <a:noFill/>
+                </a:ln>
+                <a:solidFill>
+                  <a:srgbClr val="000000"/>
+                </a:solidFill>
+                <a:uFillTx/>
+                <a:latin typeface="Helvetica Neue" charset="0"/>
+                <a:ea typeface="Helvetica Neue" charset="0"/>
+                <a:cs typeface="Helvetica Neue" charset="0"/>
+                <a:sym typeface="Helvetica Light"/>
+              </a:defRPr>
+            </a:lvl7pPr>
+            <a:lvl8pPr marL="5080000" marR="0" indent="-635000" algn="l" defTabSz="825500" rtl="0" latinLnBrk="0">
+              <a:lnSpc>
+                <a:spcPct val="100000"/>
+              </a:lnSpc>
+              <a:spcBef>
+                <a:spcPts val="5900"/>
+              </a:spcBef>
+              <a:spcAft>
+                <a:spcPts val="0"/>
+              </a:spcAft>
+              <a:buClrTx/>
+              <a:buSzPct val="75000"/>
+              <a:buFontTx/>
+              <a:buChar char="•"/>
+              <a:tabLst/>
+              <a:defRPr sz="5200" b="0" i="0" u="none" strike="noStrike" cap="none" spc="0" baseline="0">
+                <a:ln>
+                  <a:noFill/>
+                </a:ln>
+                <a:solidFill>
+                  <a:srgbClr val="000000"/>
+                </a:solidFill>
+                <a:uFillTx/>
+                <a:latin typeface="+mn-lt"/>
+                <a:ea typeface="+mn-ea"/>
+                <a:cs typeface="+mn-cs"/>
+                <a:sym typeface="Helvetica Light"/>
+              </a:defRPr>
+            </a:lvl8pPr>
+            <a:lvl9pPr marL="5715000" marR="0" indent="-635000" algn="l" defTabSz="825500" rtl="0" latinLnBrk="0">
+              <a:lnSpc>
+                <a:spcPct val="100000"/>
+              </a:lnSpc>
+              <a:spcBef>
+                <a:spcPts val="600"/>
+              </a:spcBef>
+              <a:spcAft>
+                <a:spcPts val="0"/>
+              </a:spcAft>
+              <a:buClrTx/>
+              <a:buSzPct val="75000"/>
+              <a:buFontTx/>
+              <a:buChar char="•"/>
+              <a:tabLst/>
+              <a:defRPr sz="4000" b="0" i="0" u="none" strike="noStrike" cap="none" spc="0" baseline="0">
+                <a:ln>
+                  <a:noFill/>
+                </a:ln>
+                <a:solidFill>
+                  <a:srgbClr val="000000"/>
+                </a:solidFill>
+                <a:uFillTx/>
+                <a:latin typeface="Helvetica Neue" charset="0"/>
+                <a:ea typeface="Helvetica Neue" charset="0"/>
+                <a:cs typeface="Helvetica Neue" charset="0"/>
+                <a:sym typeface="Helvetica Light"/>
+              </a:defRPr>
+            </a:lvl9pPr>
+          </a:lstStyle>
+          <a:p>
+            <a:pPr marL="0" indent="0">
+              <a:spcBef>
+                <a:spcPts val="1200"/>
+              </a:spcBef>
+              <a:spcAft>
+                <a:spcPts val="1200"/>
+              </a:spcAft>
+              <a:buSzTx/>
+              <a:buNone/>
+            </a:pPr>
+            <a:r>
+              <a:rPr lang="fr-RE" sz="4000" b="1" dirty="0">
+                <a:latin typeface="Helvetica" pitchFamily="2" charset="0"/>
+              </a:rPr>
+              <a:t>Docs / Topics</a:t>
+            </a:r>
+            <a:endParaRPr lang="fr-RE" sz="4000" dirty="0">
+              <a:latin typeface="Helvetica" pitchFamily="2" charset="0"/>
+            </a:endParaRPr>
           </a:p>
         </p:txBody>
       </p:sp>
     </p:spTree>
     <p:extLst>
       <p:ext uri="{BB962C8B-B14F-4D97-AF65-F5344CB8AC3E}">
-        <p14:creationId xmlns:p14="http://schemas.microsoft.com/office/powerpoint/2010/main" val="602539817"/>
+        <p14:creationId xmlns:p14="http://schemas.microsoft.com/office/powerpoint/2010/main" val="865773004"/>
       </p:ext>
     </p:extLst>
   </p:cSld>
   <p:clrMapOvr>
     <a:masterClrMapping/>
   </p:clrMapOvr>
-  <p:transition spd="slow"/>
+  <p:transition spd="med"/>
 </p:sld>
 </file>
 
@@ -15741,13 +18328,19 @@
           <a:p>
             <a:r>
               <a:rPr lang="fr-FR" dirty="0"/>
-              <a:t>Prédiction en utilisant le topic modeling</a:t>
+              <a:t>Préparation modélisation</a:t>
             </a:r>
           </a:p>
           <a:p>
             <a:r>
               <a:rPr lang="fr-FR" dirty="0"/>
-              <a:t>Prédiction par apprentissage supervisé</a:t>
+              <a:t>Apprentissage non supervisé</a:t>
+            </a:r>
+          </a:p>
+          <a:p>
+            <a:r>
+              <a:rPr lang="fr-FR" dirty="0"/>
+              <a:t>Apprentissage supervisé</a:t>
             </a:r>
           </a:p>
           <a:p>
@@ -15899,6 +18492,93 @@
       </p:grpSpPr>
       <p:sp>
         <p:nvSpPr>
+          <p:cNvPr id="123" name="Shape 123"/>
+          <p:cNvSpPr>
+            <a:spLocks noGrp="1"/>
+          </p:cNvSpPr>
+          <p:nvPr>
+            <p:ph type="title"/>
+          </p:nvPr>
+        </p:nvSpPr>
+        <p:spPr>
+          <a:prstGeom prst="rect">
+            <a:avLst/>
+          </a:prstGeom>
+        </p:spPr>
+        <p:txBody>
+          <a:bodyPr/>
+          <a:lstStyle/>
+          <a:p>
+            <a:r>
+              <a:rPr lang="fr-FR" dirty="0"/>
+              <a:t>Apprentissage supervisé</a:t>
+            </a:r>
+            <a:endParaRPr dirty="0"/>
+          </a:p>
+        </p:txBody>
+      </p:sp>
+      <p:sp>
+        <p:nvSpPr>
+          <p:cNvPr id="2" name="Espace réservé du numéro de diapositive 1">
+            <a:extLst>
+              <a:ext uri="{FF2B5EF4-FFF2-40B4-BE49-F238E27FC236}">
+                <a16:creationId xmlns:a16="http://schemas.microsoft.com/office/drawing/2014/main" id="{E13A5CFC-BF58-F745-A932-24B3B5764942}"/>
+              </a:ext>
+            </a:extLst>
+          </p:cNvPr>
+          <p:cNvSpPr>
+            <a:spLocks noGrp="1"/>
+          </p:cNvSpPr>
+          <p:nvPr>
+            <p:ph type="sldNum" sz="quarter" idx="2"/>
+          </p:nvPr>
+        </p:nvSpPr>
+        <p:spPr/>
+        <p:txBody>
+          <a:bodyPr/>
+          <a:lstStyle/>
+          <a:p>
+            <a:fld id="{86CB4B4D-7CA3-9044-876B-883B54F8677D}" type="slidenum">
+              <a:rPr lang="fr-RE" smtClean="0"/>
+              <a:t>20</a:t>
+            </a:fld>
+            <a:endParaRPr lang="fr-RE"/>
+          </a:p>
+        </p:txBody>
+      </p:sp>
+    </p:spTree>
+    <p:extLst>
+      <p:ext uri="{BB962C8B-B14F-4D97-AF65-F5344CB8AC3E}">
+        <p14:creationId xmlns:p14="http://schemas.microsoft.com/office/powerpoint/2010/main" val="602539817"/>
+      </p:ext>
+    </p:extLst>
+  </p:cSld>
+  <p:clrMapOvr>
+    <a:masterClrMapping/>
+  </p:clrMapOvr>
+  <p:transition spd="slow"/>
+</p:sld>
+</file>
+
+<file path=ppt/slides/slide21.xml><?xml version="1.0" encoding="utf-8"?>
+<p:sld xmlns:a="http://schemas.openxmlformats.org/drawingml/2006/main" xmlns:r="http://schemas.openxmlformats.org/officeDocument/2006/relationships" xmlns:p="http://schemas.openxmlformats.org/presentationml/2006/main">
+  <p:cSld>
+    <p:spTree>
+      <p:nvGrpSpPr>
+        <p:cNvPr id="1" name=""/>
+        <p:cNvGrpSpPr/>
+        <p:nvPr/>
+      </p:nvGrpSpPr>
+      <p:grpSpPr>
+        <a:xfrm>
+          <a:off x="0" y="0"/>
+          <a:ext cx="0" cy="0"/>
+          <a:chOff x="0" y="0"/>
+          <a:chExt cx="0" cy="0"/>
+        </a:xfrm>
+      </p:grpSpPr>
+      <p:sp>
+        <p:nvSpPr>
           <p:cNvPr id="2" name="Titre 1"/>
           <p:cNvSpPr>
             <a:spLocks noGrp="1"/>
@@ -15942,7 +18622,7 @@
           <a:p>
             <a:fld id="{86CB4B4D-7CA3-9044-876B-883B54F8677D}" type="slidenum">
               <a:rPr lang="fr-RE" smtClean="0"/>
-              <a:t>20</a:t>
+              <a:t>21</a:t>
             </a:fld>
             <a:endParaRPr lang="fr-RE" dirty="0"/>
           </a:p>
@@ -15975,7 +18655,7 @@
           </a:ln>
           <a:extLst>
             <a:ext uri="{C572A759-6A51-4108-AA02-DFA0A04FC94B}">
-              <ma14:wrappingTextBoxFlag xmlns="" xmlns:ma14="http://schemas.microsoft.com/office/mac/drawingml/2011/main" val="1"/>
+              <ma14:wrappingTextBoxFlag xmlns:ma14="http://schemas.microsoft.com/office/mac/drawingml/2011/main" xmlns="" val="1"/>
             </a:ext>
           </a:extLst>
         </p:spPr>
@@ -16839,7 +19519,7 @@
           </a:ln>
           <a:extLst>
             <a:ext uri="{C572A759-6A51-4108-AA02-DFA0A04FC94B}">
-              <ma14:wrappingTextBoxFlag xmlns="" xmlns:ma14="http://schemas.microsoft.com/office/mac/drawingml/2011/main" val="1"/>
+              <ma14:wrappingTextBoxFlag xmlns:ma14="http://schemas.microsoft.com/office/mac/drawingml/2011/main" xmlns="" val="1"/>
             </a:ext>
           </a:extLst>
         </p:spPr>
@@ -18020,7 +20700,7 @@
 </p:sld>
 </file>
 
-<file path=ppt/slides/slide21.xml><?xml version="1.0" encoding="utf-8"?>
+<file path=ppt/slides/slide22.xml><?xml version="1.0" encoding="utf-8"?>
 <p:sld xmlns:a="http://schemas.openxmlformats.org/drawingml/2006/main" xmlns:r="http://schemas.openxmlformats.org/officeDocument/2006/relationships" xmlns:p="http://schemas.openxmlformats.org/presentationml/2006/main">
   <p:cSld>
     <p:spTree>
@@ -18074,14 +20754,14 @@
           <p:nvPr>
             <p:extLst>
               <p:ext uri="{D42A27DB-BD31-4B8C-83A1-F6EECF244321}">
-                <p14:modId xmlns:p14="http://schemas.microsoft.com/office/powerpoint/2010/main" val="2530231782"/>
+                <p14:modId xmlns:p14="http://schemas.microsoft.com/office/powerpoint/2010/main" val="1732006300"/>
               </p:ext>
             </p:extLst>
           </p:nvPr>
         </p:nvGraphicFramePr>
         <p:xfrm>
           <a:off x="16209568" y="2951580"/>
-          <a:ext cx="6485331" cy="8905010"/>
+          <a:ext cx="6485331" cy="7473935"/>
         </p:xfrm>
         <a:graphic>
           <a:graphicData uri="http://schemas.openxmlformats.org/drawingml/2006/table">
@@ -18124,51 +20804,6 @@
                 <a:extLst>
                   <a:ext uri="{0D108BD9-81ED-4DB2-BD59-A6C34878D82A}">
                     <a16:rowId xmlns:a16="http://schemas.microsoft.com/office/drawing/2014/main" val="1872055981"/>
-                  </a:ext>
-                </a:extLst>
-              </a:tr>
-              <a:tr h="1431075">
-                <a:tc>
-                  <a:txBody>
-                    <a:bodyPr/>
-                    <a:lstStyle/>
-                    <a:p>
-                      <a:pPr marL="0" marR="0" lvl="0" indent="0" algn="ctr" defTabSz="825500" rtl="0" eaLnBrk="1" fontAlgn="auto" latinLnBrk="0" hangingPunct="1">
-                        <a:lnSpc>
-                          <a:spcPct val="100000"/>
-                        </a:lnSpc>
-                        <a:spcBef>
-                          <a:spcPts val="0"/>
-                        </a:spcBef>
-                        <a:spcAft>
-                          <a:spcPts val="0"/>
-                        </a:spcAft>
-                        <a:buClrTx/>
-                        <a:buSzTx/>
-                        <a:buFontTx/>
-                        <a:buNone/>
-                        <a:tabLst/>
-                        <a:defRPr/>
-                      </a:pPr>
-                      <a:r>
-                        <a:rPr lang="fr-FR" sz="3200" b="1" dirty="0">
-                          <a:latin typeface="Helvetica" pitchFamily="2" charset="0"/>
-                        </a:rPr>
-                        <a:t>Régression Logistique</a:t>
-                      </a:r>
-                    </a:p>
-                  </a:txBody>
-                  <a:tcPr anchor="ctr">
-                    <a:solidFill>
-                      <a:schemeClr val="bg1">
-                        <a:lumMod val="85000"/>
-                      </a:schemeClr>
-                    </a:solidFill>
-                  </a:tcPr>
-                </a:tc>
-                <a:extLst>
-                  <a:ext uri="{0D108BD9-81ED-4DB2-BD59-A6C34878D82A}">
-                    <a16:rowId xmlns:a16="http://schemas.microsoft.com/office/drawing/2014/main" val="4235403445"/>
                   </a:ext>
                 </a:extLst>
               </a:tr>
@@ -18364,7 +20999,7 @@
           <a:p>
             <a:fld id="{86CB4B4D-7CA3-9044-876B-883B54F8677D}" type="slidenum">
               <a:rPr lang="fr-RE" smtClean="0"/>
-              <a:t>21</a:t>
+              <a:t>22</a:t>
             </a:fld>
             <a:endParaRPr lang="fr-RE" dirty="0"/>
           </a:p>
@@ -18397,7 +21032,7 @@
           </a:ln>
           <a:extLst>
             <a:ext uri="{C572A759-6A51-4108-AA02-DFA0A04FC94B}">
-              <ma14:wrappingTextBoxFlag xmlns="" xmlns:ma14="http://schemas.microsoft.com/office/mac/drawingml/2011/main" val="1"/>
+              <ma14:wrappingTextBoxFlag xmlns:ma14="http://schemas.microsoft.com/office/mac/drawingml/2011/main" xmlns="" val="1"/>
             </a:ext>
           </a:extLst>
         </p:spPr>
@@ -18889,7 +21524,7 @@
 </p:sld>
 </file>
 
-<file path=ppt/slides/slide22.xml><?xml version="1.0" encoding="utf-8"?>
+<file path=ppt/slides/slide23.xml><?xml version="1.0" encoding="utf-8"?>
 <p:sld xmlns:a="http://schemas.openxmlformats.org/drawingml/2006/main" xmlns:r="http://schemas.openxmlformats.org/officeDocument/2006/relationships" xmlns:p="http://schemas.openxmlformats.org/presentationml/2006/main">
   <p:cSld>
     <p:spTree>
@@ -20803,346 +23438,9 @@
           <a:p>
             <a:fld id="{86CB4B4D-7CA3-9044-876B-883B54F8677D}" type="slidenum">
               <a:rPr lang="fr-RE" smtClean="0"/>
-              <a:t>22</a:t>
+              <a:t>23</a:t>
             </a:fld>
             <a:endParaRPr lang="fr-RE" dirty="0"/>
-          </a:p>
-        </p:txBody>
-      </p:sp>
-      <p:sp>
-        <p:nvSpPr>
-          <p:cNvPr id="31" name="Espace réservé du texte 3">
-            <a:extLst>
-              <a:ext uri="{FF2B5EF4-FFF2-40B4-BE49-F238E27FC236}">
-                <a16:creationId xmlns:a16="http://schemas.microsoft.com/office/drawing/2014/main" id="{B0DD4A95-495A-3B45-9BD1-E29ACA16D0DA}"/>
-              </a:ext>
-            </a:extLst>
-          </p:cNvPr>
-          <p:cNvSpPr txBox="1">
-            <a:spLocks/>
-          </p:cNvSpPr>
-          <p:nvPr/>
-        </p:nvSpPr>
-        <p:spPr>
-          <a:xfrm>
-            <a:off x="16811787" y="7686178"/>
-            <a:ext cx="8434716" cy="4367804"/>
-          </a:xfrm>
-          <a:prstGeom prst="rect">
-            <a:avLst/>
-          </a:prstGeom>
-          <a:ln w="12700">
-            <a:miter lim="400000"/>
-          </a:ln>
-          <a:extLst>
-            <a:ext uri="{C572A759-6A51-4108-AA02-DFA0A04FC94B}">
-              <ma14:wrappingTextBoxFlag xmlns="" xmlns:ma14="http://schemas.microsoft.com/office/mac/drawingml/2011/main" val="1"/>
-            </a:ext>
-          </a:extLst>
-        </p:spPr>
-        <p:txBody>
-          <a:bodyPr lIns="50800" tIns="50800" rIns="50800" bIns="50800" anchor="ctr">
-            <a:noAutofit/>
-          </a:bodyPr>
-          <a:lstStyle>
-            <a:lvl1pPr marL="635000" marR="0" indent="-635000" algn="l" defTabSz="825500" rtl="0" latinLnBrk="0">
-              <a:lnSpc>
-                <a:spcPct val="100000"/>
-              </a:lnSpc>
-              <a:spcBef>
-                <a:spcPts val="3500"/>
-              </a:spcBef>
-              <a:spcAft>
-                <a:spcPts val="0"/>
-              </a:spcAft>
-              <a:buClrTx/>
-              <a:buSzPct val="75000"/>
-              <a:buFont typeface="Wingdings" charset="2"/>
-              <a:buChar char="q"/>
-              <a:tabLst/>
-              <a:defRPr sz="4800" b="0" i="0" u="none" strike="noStrike" cap="none" spc="0" baseline="0">
-                <a:ln>
-                  <a:noFill/>
-                </a:ln>
-                <a:solidFill>
-                  <a:srgbClr val="000000"/>
-                </a:solidFill>
-                <a:uFillTx/>
-                <a:latin typeface="Helvetica Neue" charset="0"/>
-                <a:ea typeface="Helvetica Neue" charset="0"/>
-                <a:cs typeface="Helvetica Neue" charset="0"/>
-                <a:sym typeface="Helvetica Light"/>
-              </a:defRPr>
-            </a:lvl1pPr>
-            <a:lvl2pPr marL="1270000" marR="0" indent="-635000" algn="l" defTabSz="825500" rtl="0" latinLnBrk="0">
-              <a:lnSpc>
-                <a:spcPct val="100000"/>
-              </a:lnSpc>
-              <a:spcBef>
-                <a:spcPts val="5900"/>
-              </a:spcBef>
-              <a:spcAft>
-                <a:spcPts val="0"/>
-              </a:spcAft>
-              <a:buClrTx/>
-              <a:buSzPct val="75000"/>
-              <a:buFont typeface="Wingdings" charset="2"/>
-              <a:buChar char="§"/>
-              <a:tabLst/>
-              <a:defRPr sz="5200" b="0" i="0" u="none" strike="noStrike" cap="none" spc="0" baseline="0">
-                <a:ln>
-                  <a:noFill/>
-                </a:ln>
-                <a:solidFill>
-                  <a:srgbClr val="000000"/>
-                </a:solidFill>
-                <a:uFillTx/>
-                <a:latin typeface="+mn-lt"/>
-                <a:ea typeface="+mn-ea"/>
-                <a:cs typeface="+mn-cs"/>
-                <a:sym typeface="Helvetica Light"/>
-              </a:defRPr>
-            </a:lvl2pPr>
-            <a:lvl3pPr marL="1905000" marR="0" indent="-635000" algn="l" defTabSz="825500" rtl="0" latinLnBrk="0">
-              <a:lnSpc>
-                <a:spcPct val="100000"/>
-              </a:lnSpc>
-              <a:spcBef>
-                <a:spcPts val="600"/>
-              </a:spcBef>
-              <a:spcAft>
-                <a:spcPts val="0"/>
-              </a:spcAft>
-              <a:buClrTx/>
-              <a:buSzPct val="75000"/>
-              <a:buFontTx/>
-              <a:buChar char="•"/>
-              <a:tabLst/>
-              <a:defRPr sz="4400" b="0" i="0" u="none" strike="noStrike" cap="none" spc="0" baseline="0">
-                <a:ln>
-                  <a:noFill/>
-                </a:ln>
-                <a:solidFill>
-                  <a:srgbClr val="000000"/>
-                </a:solidFill>
-                <a:uFillTx/>
-                <a:latin typeface="Helvetica Neue" charset="0"/>
-                <a:ea typeface="Helvetica Neue" charset="0"/>
-                <a:cs typeface="Helvetica Neue" charset="0"/>
-                <a:sym typeface="Helvetica Light"/>
-              </a:defRPr>
-            </a:lvl3pPr>
-            <a:lvl4pPr marL="2540000" marR="0" indent="-635000" algn="l" defTabSz="825500" rtl="0" latinLnBrk="0">
-              <a:lnSpc>
-                <a:spcPct val="100000"/>
-              </a:lnSpc>
-              <a:spcBef>
-                <a:spcPts val="5900"/>
-              </a:spcBef>
-              <a:spcAft>
-                <a:spcPts val="0"/>
-              </a:spcAft>
-              <a:buClrTx/>
-              <a:buSzPct val="75000"/>
-              <a:buFontTx/>
-              <a:buChar char="•"/>
-              <a:tabLst/>
-              <a:defRPr sz="5200" b="0" i="0" u="none" strike="noStrike" cap="none" spc="0" baseline="0">
-                <a:ln>
-                  <a:noFill/>
-                </a:ln>
-                <a:solidFill>
-                  <a:srgbClr val="000000"/>
-                </a:solidFill>
-                <a:uFillTx/>
-                <a:latin typeface="+mn-lt"/>
-                <a:ea typeface="+mn-ea"/>
-                <a:cs typeface="+mn-cs"/>
-                <a:sym typeface="Helvetica Light"/>
-              </a:defRPr>
-            </a:lvl4pPr>
-            <a:lvl5pPr marL="3175000" marR="0" indent="-635000" algn="l" defTabSz="825500" rtl="0" latinLnBrk="0">
-              <a:lnSpc>
-                <a:spcPct val="100000"/>
-              </a:lnSpc>
-              <a:spcBef>
-                <a:spcPts val="600"/>
-              </a:spcBef>
-              <a:spcAft>
-                <a:spcPts val="0"/>
-              </a:spcAft>
-              <a:buClrTx/>
-              <a:buSzPct val="75000"/>
-              <a:buFontTx/>
-              <a:buChar char="•"/>
-              <a:tabLst/>
-              <a:defRPr sz="4000" b="0" i="0" u="none" strike="noStrike" cap="none" spc="0" baseline="0">
-                <a:ln>
-                  <a:noFill/>
-                </a:ln>
-                <a:solidFill>
-                  <a:srgbClr val="000000"/>
-                </a:solidFill>
-                <a:uFillTx/>
-                <a:latin typeface="Helvetica Neue" charset="0"/>
-                <a:ea typeface="Helvetica Neue" charset="0"/>
-                <a:cs typeface="Helvetica Neue" charset="0"/>
-                <a:sym typeface="Helvetica Light"/>
-              </a:defRPr>
-            </a:lvl5pPr>
-            <a:lvl6pPr marL="3810000" marR="0" indent="-635000" algn="l" defTabSz="825500" rtl="0" latinLnBrk="0">
-              <a:lnSpc>
-                <a:spcPct val="100000"/>
-              </a:lnSpc>
-              <a:spcBef>
-                <a:spcPts val="5900"/>
-              </a:spcBef>
-              <a:spcAft>
-                <a:spcPts val="0"/>
-              </a:spcAft>
-              <a:buClrTx/>
-              <a:buSzPct val="75000"/>
-              <a:buFontTx/>
-              <a:buChar char="•"/>
-              <a:tabLst/>
-              <a:defRPr sz="5200" b="0" i="0" u="none" strike="noStrike" cap="none" spc="0" baseline="0">
-                <a:ln>
-                  <a:noFill/>
-                </a:ln>
-                <a:solidFill>
-                  <a:srgbClr val="000000"/>
-                </a:solidFill>
-                <a:uFillTx/>
-                <a:latin typeface="+mn-lt"/>
-                <a:ea typeface="+mn-ea"/>
-                <a:cs typeface="+mn-cs"/>
-                <a:sym typeface="Helvetica Light"/>
-              </a:defRPr>
-            </a:lvl6pPr>
-            <a:lvl7pPr marL="4445000" marR="0" indent="-635000" algn="l" defTabSz="825500" rtl="0" latinLnBrk="0">
-              <a:lnSpc>
-                <a:spcPct val="100000"/>
-              </a:lnSpc>
-              <a:spcBef>
-                <a:spcPts val="600"/>
-              </a:spcBef>
-              <a:spcAft>
-                <a:spcPts val="0"/>
-              </a:spcAft>
-              <a:buClrTx/>
-              <a:buSzPct val="75000"/>
-              <a:buFontTx/>
-              <a:buChar char="•"/>
-              <a:tabLst/>
-              <a:defRPr sz="4000" b="0" i="0" u="none" strike="noStrike" cap="none" spc="0" baseline="0">
-                <a:ln>
-                  <a:noFill/>
-                </a:ln>
-                <a:solidFill>
-                  <a:srgbClr val="000000"/>
-                </a:solidFill>
-                <a:uFillTx/>
-                <a:latin typeface="Helvetica Neue" charset="0"/>
-                <a:ea typeface="Helvetica Neue" charset="0"/>
-                <a:cs typeface="Helvetica Neue" charset="0"/>
-                <a:sym typeface="Helvetica Light"/>
-              </a:defRPr>
-            </a:lvl7pPr>
-            <a:lvl8pPr marL="5080000" marR="0" indent="-635000" algn="l" defTabSz="825500" rtl="0" latinLnBrk="0">
-              <a:lnSpc>
-                <a:spcPct val="100000"/>
-              </a:lnSpc>
-              <a:spcBef>
-                <a:spcPts val="5900"/>
-              </a:spcBef>
-              <a:spcAft>
-                <a:spcPts val="0"/>
-              </a:spcAft>
-              <a:buClrTx/>
-              <a:buSzPct val="75000"/>
-              <a:buFontTx/>
-              <a:buChar char="•"/>
-              <a:tabLst/>
-              <a:defRPr sz="5200" b="0" i="0" u="none" strike="noStrike" cap="none" spc="0" baseline="0">
-                <a:ln>
-                  <a:noFill/>
-                </a:ln>
-                <a:solidFill>
-                  <a:srgbClr val="000000"/>
-                </a:solidFill>
-                <a:uFillTx/>
-                <a:latin typeface="+mn-lt"/>
-                <a:ea typeface="+mn-ea"/>
-                <a:cs typeface="+mn-cs"/>
-                <a:sym typeface="Helvetica Light"/>
-              </a:defRPr>
-            </a:lvl8pPr>
-            <a:lvl9pPr marL="5715000" marR="0" indent="-635000" algn="l" defTabSz="825500" rtl="0" latinLnBrk="0">
-              <a:lnSpc>
-                <a:spcPct val="100000"/>
-              </a:lnSpc>
-              <a:spcBef>
-                <a:spcPts val="600"/>
-              </a:spcBef>
-              <a:spcAft>
-                <a:spcPts val="0"/>
-              </a:spcAft>
-              <a:buClrTx/>
-              <a:buSzPct val="75000"/>
-              <a:buFontTx/>
-              <a:buChar char="•"/>
-              <a:tabLst/>
-              <a:defRPr sz="4000" b="0" i="0" u="none" strike="noStrike" cap="none" spc="0" baseline="0">
-                <a:ln>
-                  <a:noFill/>
-                </a:ln>
-                <a:solidFill>
-                  <a:srgbClr val="000000"/>
-                </a:solidFill>
-                <a:uFillTx/>
-                <a:latin typeface="Helvetica Neue" charset="0"/>
-                <a:ea typeface="Helvetica Neue" charset="0"/>
-                <a:cs typeface="Helvetica Neue" charset="0"/>
-                <a:sym typeface="Helvetica Light"/>
-              </a:defRPr>
-            </a:lvl9pPr>
-          </a:lstStyle>
-          <a:p>
-            <a:pPr marL="0" indent="0">
-              <a:spcBef>
-                <a:spcPts val="1200"/>
-              </a:spcBef>
-              <a:spcAft>
-                <a:spcPts val="1200"/>
-              </a:spcAft>
-              <a:buSzTx/>
-              <a:buNone/>
-            </a:pPr>
-            <a:r>
-              <a:rPr lang="fr-RE" sz="2800" b="1" dirty="0">
-                <a:latin typeface="Helvetica" pitchFamily="2" charset="0"/>
-              </a:rPr>
-              <a:t>Comparaison algorithmes :</a:t>
-            </a:r>
-          </a:p>
-          <a:p>
-            <a:pPr>
-              <a:spcBef>
-                <a:spcPts val="1200"/>
-              </a:spcBef>
-              <a:spcAft>
-                <a:spcPts val="1200"/>
-              </a:spcAft>
-              <a:buSzTx/>
-              <a:buFont typeface="Wingdings" pitchFamily="2" charset="2"/>
-              <a:buChar char="§"/>
-            </a:pPr>
-            <a:r>
-              <a:rPr lang="fr-RE" sz="2800" dirty="0">
-                <a:latin typeface="Helvetica" pitchFamily="2" charset="0"/>
-              </a:rPr>
-              <a:t>Calcul du score de prédiction (idem non supervisé)</a:t>
-            </a:r>
           </a:p>
         </p:txBody>
       </p:sp>
@@ -21160,7 +23458,7 @@
 </p:sld>
 </file>
 
-<file path=ppt/slides/slide23.xml><?xml version="1.0" encoding="utf-8"?>
+<file path=ppt/slides/slide24.xml><?xml version="1.0" encoding="utf-8"?>
 <p:sld xmlns:a="http://schemas.openxmlformats.org/drawingml/2006/main" xmlns:r="http://schemas.openxmlformats.org/officeDocument/2006/relationships" xmlns:p="http://schemas.openxmlformats.org/presentationml/2006/main">
   <p:cSld>
     <p:spTree>
@@ -21381,7 +23679,7 @@
           <a:p>
             <a:fld id="{86CB4B4D-7CA3-9044-876B-883B54F8677D}" type="slidenum">
               <a:rPr lang="fr-RE" smtClean="0"/>
-              <a:t>23</a:t>
+              <a:t>24</a:t>
             </a:fld>
             <a:endParaRPr lang="fr-RE" dirty="0"/>
           </a:p>
@@ -22371,8 +24669,8 @@
           </a:p>
         </p:txBody>
       </p:sp>
-      <mc:AlternateContent xmlns:mc="http://schemas.openxmlformats.org/markup-compatibility/2006">
-        <mc:Choice xmlns:a14="http://schemas.microsoft.com/office/drawing/2010/main" Requires="a14">
+      <mc:AlternateContent xmlns:mc="http://schemas.openxmlformats.org/markup-compatibility/2006" xmlns:a14="http://schemas.microsoft.com/office/drawing/2010/main">
+        <mc:Choice Requires="a14">
           <p:sp>
             <p:nvSpPr>
               <p:cNvPr id="17" name="ZoneTexte 16">
@@ -22546,7 +24844,7 @@
             </p:txBody>
           </p:sp>
         </mc:Choice>
-        <mc:Fallback>
+        <mc:Fallback xmlns="">
           <p:sp>
             <p:nvSpPr>
               <p:cNvPr id="17" name="ZoneTexte 16">
@@ -22784,7 +25082,7 @@
 </p:sld>
 </file>
 
-<file path=ppt/slides/slide24.xml><?xml version="1.0" encoding="utf-8"?>
+<file path=ppt/slides/slide25.xml><?xml version="1.0" encoding="utf-8"?>
 <p:sld xmlns:a="http://schemas.openxmlformats.org/drawingml/2006/main" xmlns:r="http://schemas.openxmlformats.org/officeDocument/2006/relationships" xmlns:p="http://schemas.openxmlformats.org/presentationml/2006/main">
   <p:cSld>
     <p:spTree>
@@ -22851,7 +25149,7 @@
           <a:p>
             <a:fld id="{86CB4B4D-7CA3-9044-876B-883B54F8677D}" type="slidenum">
               <a:rPr lang="fr-RE" smtClean="0"/>
-              <a:t>24</a:t>
+              <a:t>25</a:t>
             </a:fld>
             <a:endParaRPr lang="fr-RE"/>
           </a:p>
@@ -22871,7 +25169,7 @@
 </p:sld>
 </file>
 
-<file path=ppt/slides/slide25.xml><?xml version="1.0" encoding="utf-8"?>
+<file path=ppt/slides/slide26.xml><?xml version="1.0" encoding="utf-8"?>
 <p:sld xmlns:a="http://schemas.openxmlformats.org/drawingml/2006/main" xmlns:r="http://schemas.openxmlformats.org/officeDocument/2006/relationships" xmlns:p="http://schemas.openxmlformats.org/presentationml/2006/main">
   <p:cSld>
     <p:spTree>
@@ -23501,7 +25799,7 @@
 </p:sld>
 </file>
 
-<file path=ppt/slides/slide26.xml><?xml version="1.0" encoding="utf-8"?>
+<file path=ppt/slides/slide27.xml><?xml version="1.0" encoding="utf-8"?>
 <p:sld xmlns:a="http://schemas.openxmlformats.org/drawingml/2006/main" xmlns:r="http://schemas.openxmlformats.org/officeDocument/2006/relationships" xmlns:p="http://schemas.openxmlformats.org/presentationml/2006/main">
   <p:cSld>
     <p:spTree>
@@ -23567,7 +25865,7 @@
           </a:ln>
           <a:extLst>
             <a:ext uri="{C572A759-6A51-4108-AA02-DFA0A04FC94B}">
-              <ma14:wrappingTextBoxFlag xmlns="" xmlns:ma14="http://schemas.microsoft.com/office/mac/drawingml/2011/main" val="1"/>
+              <ma14:wrappingTextBoxFlag xmlns:ma14="http://schemas.microsoft.com/office/mac/drawingml/2011/main" xmlns="" val="1"/>
             </a:ext>
           </a:extLst>
         </p:spPr>
@@ -23980,7 +26278,7 @@
           <a:p>
             <a:fld id="{86CB4B4D-7CA3-9044-876B-883B54F8677D}" type="slidenum">
               <a:rPr lang="fr-RE" smtClean="0"/>
-              <a:t>26</a:t>
+              <a:t>27</a:t>
             </a:fld>
             <a:endParaRPr lang="fr-RE" dirty="0"/>
           </a:p>
@@ -24036,7 +26334,7 @@
 </p:sld>
 </file>
 
-<file path=ppt/slides/slide27.xml><?xml version="1.0" encoding="utf-8"?>
+<file path=ppt/slides/slide28.xml><?xml version="1.0" encoding="utf-8"?>
 <p:sld xmlns:a="http://schemas.openxmlformats.org/drawingml/2006/main" xmlns:r="http://schemas.openxmlformats.org/officeDocument/2006/relationships" xmlns:p="http://schemas.openxmlformats.org/presentationml/2006/main">
   <p:cSld>
     <p:spTree>
@@ -24103,7 +26401,7 @@
           <a:p>
             <a:fld id="{86CB4B4D-7CA3-9044-876B-883B54F8677D}" type="slidenum">
               <a:rPr lang="fr-RE" smtClean="0"/>
-              <a:t>27</a:t>
+              <a:t>28</a:t>
             </a:fld>
             <a:endParaRPr lang="fr-RE"/>
           </a:p>
@@ -24123,7 +26421,7 @@
 </p:sld>
 </file>
 
-<file path=ppt/slides/slide28.xml><?xml version="1.0" encoding="utf-8"?>
+<file path=ppt/slides/slide29.xml><?xml version="1.0" encoding="utf-8"?>
 <p:sld xmlns:a="http://schemas.openxmlformats.org/drawingml/2006/main" xmlns:r="http://schemas.openxmlformats.org/officeDocument/2006/relationships" xmlns:p="http://schemas.openxmlformats.org/presentationml/2006/main">
   <p:cSld>
     <p:spTree>
@@ -24633,7 +26931,7 @@
           <a:p>
             <a:fld id="{86CB4B4D-7CA3-9044-876B-883B54F8677D}" type="slidenum">
               <a:rPr lang="fr-RE" smtClean="0"/>
-              <a:t>28</a:t>
+              <a:t>29</a:t>
             </a:fld>
             <a:endParaRPr lang="fr-RE"/>
           </a:p>
@@ -24650,115 +26948,6 @@
     <a:masterClrMapping/>
   </p:clrMapOvr>
   <p:transition spd="med"/>
-</p:sld>
-</file>
-
-<file path=ppt/slides/slide29.xml><?xml version="1.0" encoding="utf-8"?>
-<p:sld xmlns:a="http://schemas.openxmlformats.org/drawingml/2006/main" xmlns:r="http://schemas.openxmlformats.org/officeDocument/2006/relationships" xmlns:p="http://schemas.openxmlformats.org/presentationml/2006/main">
-  <p:cSld>
-    <p:spTree>
-      <p:nvGrpSpPr>
-        <p:cNvPr id="1" name=""/>
-        <p:cNvGrpSpPr/>
-        <p:nvPr/>
-      </p:nvGrpSpPr>
-      <p:grpSpPr>
-        <a:xfrm>
-          <a:off x="0" y="0"/>
-          <a:ext cx="0" cy="0"/>
-          <a:chOff x="0" y="0"/>
-          <a:chExt cx="0" cy="0"/>
-        </a:xfrm>
-      </p:grpSpPr>
-      <p:sp>
-        <p:nvSpPr>
-          <p:cNvPr id="123" name="Shape 123"/>
-          <p:cNvSpPr>
-            <a:spLocks noGrp="1"/>
-          </p:cNvSpPr>
-          <p:nvPr>
-            <p:ph type="title"/>
-          </p:nvPr>
-        </p:nvSpPr>
-        <p:spPr>
-          <a:prstGeom prst="rect">
-            <a:avLst/>
-          </a:prstGeom>
-        </p:spPr>
-        <p:txBody>
-          <a:bodyPr>
-            <a:normAutofit/>
-          </a:bodyPr>
-          <a:lstStyle/>
-          <a:p>
-            <a:r>
-              <a:rPr lang="fr-FR" sz="5400" dirty="0">
-                <a:latin typeface="Helvetica" pitchFamily="2" charset="0"/>
-                <a:ea typeface="Roboto" panose="02000000000000000000" pitchFamily="2" charset="0"/>
-              </a:rPr>
-              <a:t>Merci à mon mentor Amine </a:t>
-            </a:r>
-            <a:r>
-              <a:rPr lang="fr-FR" sz="5400" dirty="0" err="1">
-                <a:latin typeface="Helvetica" pitchFamily="2" charset="0"/>
-                <a:ea typeface="Roboto" panose="02000000000000000000" pitchFamily="2" charset="0"/>
-              </a:rPr>
-              <a:t>Abdaoui</a:t>
-            </a:r>
-            <a:r>
-              <a:rPr lang="fr-FR" sz="5400" dirty="0">
-                <a:latin typeface="Helvetica" pitchFamily="2" charset="0"/>
-                <a:ea typeface="Roboto" panose="02000000000000000000" pitchFamily="2" charset="0"/>
-              </a:rPr>
-              <a:t> pour sa disponibilité, ses explications et ses précieux conseils</a:t>
-            </a:r>
-            <a:endParaRPr sz="5400" dirty="0">
-              <a:latin typeface="Helvetica" pitchFamily="2" charset="0"/>
-              <a:ea typeface="Roboto" panose="02000000000000000000" pitchFamily="2" charset="0"/>
-            </a:endParaRPr>
-          </a:p>
-        </p:txBody>
-      </p:sp>
-      <p:sp>
-        <p:nvSpPr>
-          <p:cNvPr id="2" name="Espace réservé du numéro de diapositive 1">
-            <a:extLst>
-              <a:ext uri="{FF2B5EF4-FFF2-40B4-BE49-F238E27FC236}">
-                <a16:creationId xmlns:a16="http://schemas.microsoft.com/office/drawing/2014/main" id="{EE2DA6E8-8514-E241-A714-9AACF9899004}"/>
-              </a:ext>
-            </a:extLst>
-          </p:cNvPr>
-          <p:cNvSpPr>
-            <a:spLocks noGrp="1"/>
-          </p:cNvSpPr>
-          <p:nvPr>
-            <p:ph type="sldNum" sz="quarter" idx="2"/>
-          </p:nvPr>
-        </p:nvSpPr>
-        <p:spPr/>
-        <p:txBody>
-          <a:bodyPr/>
-          <a:lstStyle/>
-          <a:p>
-            <a:fld id="{86CB4B4D-7CA3-9044-876B-883B54F8677D}" type="slidenum">
-              <a:rPr lang="fr-RE" smtClean="0"/>
-              <a:t>29</a:t>
-            </a:fld>
-            <a:endParaRPr lang="fr-RE"/>
-          </a:p>
-        </p:txBody>
-      </p:sp>
-    </p:spTree>
-    <p:extLst>
-      <p:ext uri="{BB962C8B-B14F-4D97-AF65-F5344CB8AC3E}">
-        <p14:creationId xmlns:p14="http://schemas.microsoft.com/office/powerpoint/2010/main" val="307979137"/>
-      </p:ext>
-    </p:extLst>
-  </p:cSld>
-  <p:clrMapOvr>
-    <a:masterClrMapping/>
-  </p:clrMapOvr>
-  <p:transition spd="slow"/>
 </p:sld>
 </file>
 
@@ -24839,6 +27028,115 @@
     <p:extLst>
       <p:ext uri="{BB962C8B-B14F-4D97-AF65-F5344CB8AC3E}">
         <p14:creationId xmlns:p14="http://schemas.microsoft.com/office/powerpoint/2010/main" val="78754491"/>
+      </p:ext>
+    </p:extLst>
+  </p:cSld>
+  <p:clrMapOvr>
+    <a:masterClrMapping/>
+  </p:clrMapOvr>
+  <p:transition spd="slow"/>
+</p:sld>
+</file>
+
+<file path=ppt/slides/slide30.xml><?xml version="1.0" encoding="utf-8"?>
+<p:sld xmlns:a="http://schemas.openxmlformats.org/drawingml/2006/main" xmlns:r="http://schemas.openxmlformats.org/officeDocument/2006/relationships" xmlns:p="http://schemas.openxmlformats.org/presentationml/2006/main">
+  <p:cSld>
+    <p:spTree>
+      <p:nvGrpSpPr>
+        <p:cNvPr id="1" name=""/>
+        <p:cNvGrpSpPr/>
+        <p:nvPr/>
+      </p:nvGrpSpPr>
+      <p:grpSpPr>
+        <a:xfrm>
+          <a:off x="0" y="0"/>
+          <a:ext cx="0" cy="0"/>
+          <a:chOff x="0" y="0"/>
+          <a:chExt cx="0" cy="0"/>
+        </a:xfrm>
+      </p:grpSpPr>
+      <p:sp>
+        <p:nvSpPr>
+          <p:cNvPr id="123" name="Shape 123"/>
+          <p:cNvSpPr>
+            <a:spLocks noGrp="1"/>
+          </p:cNvSpPr>
+          <p:nvPr>
+            <p:ph type="title"/>
+          </p:nvPr>
+        </p:nvSpPr>
+        <p:spPr>
+          <a:prstGeom prst="rect">
+            <a:avLst/>
+          </a:prstGeom>
+        </p:spPr>
+        <p:txBody>
+          <a:bodyPr>
+            <a:normAutofit/>
+          </a:bodyPr>
+          <a:lstStyle/>
+          <a:p>
+            <a:r>
+              <a:rPr lang="fr-FR" sz="5400" dirty="0">
+                <a:latin typeface="Helvetica" pitchFamily="2" charset="0"/>
+                <a:ea typeface="Roboto" panose="02000000000000000000" pitchFamily="2" charset="0"/>
+              </a:rPr>
+              <a:t>Merci à mon mentor Amine </a:t>
+            </a:r>
+            <a:r>
+              <a:rPr lang="fr-FR" sz="5400" dirty="0" err="1">
+                <a:latin typeface="Helvetica" pitchFamily="2" charset="0"/>
+                <a:ea typeface="Roboto" panose="02000000000000000000" pitchFamily="2" charset="0"/>
+              </a:rPr>
+              <a:t>Abdaoui</a:t>
+            </a:r>
+            <a:r>
+              <a:rPr lang="fr-FR" sz="5400" dirty="0">
+                <a:latin typeface="Helvetica" pitchFamily="2" charset="0"/>
+                <a:ea typeface="Roboto" panose="02000000000000000000" pitchFamily="2" charset="0"/>
+              </a:rPr>
+              <a:t> pour sa disponibilité, ses explications et ses précieux conseils</a:t>
+            </a:r>
+            <a:endParaRPr sz="5400" dirty="0">
+              <a:latin typeface="Helvetica" pitchFamily="2" charset="0"/>
+              <a:ea typeface="Roboto" panose="02000000000000000000" pitchFamily="2" charset="0"/>
+            </a:endParaRPr>
+          </a:p>
+        </p:txBody>
+      </p:sp>
+      <p:sp>
+        <p:nvSpPr>
+          <p:cNvPr id="2" name="Espace réservé du numéro de diapositive 1">
+            <a:extLst>
+              <a:ext uri="{FF2B5EF4-FFF2-40B4-BE49-F238E27FC236}">
+                <a16:creationId xmlns:a16="http://schemas.microsoft.com/office/drawing/2014/main" id="{EE2DA6E8-8514-E241-A714-9AACF9899004}"/>
+              </a:ext>
+            </a:extLst>
+          </p:cNvPr>
+          <p:cNvSpPr>
+            <a:spLocks noGrp="1"/>
+          </p:cNvSpPr>
+          <p:nvPr>
+            <p:ph type="sldNum" sz="quarter" idx="2"/>
+          </p:nvPr>
+        </p:nvSpPr>
+        <p:spPr/>
+        <p:txBody>
+          <a:bodyPr/>
+          <a:lstStyle/>
+          <a:p>
+            <a:fld id="{86CB4B4D-7CA3-9044-876B-883B54F8677D}" type="slidenum">
+              <a:rPr lang="fr-RE" smtClean="0"/>
+              <a:t>30</a:t>
+            </a:fld>
+            <a:endParaRPr lang="fr-RE"/>
+          </a:p>
+        </p:txBody>
+      </p:sp>
+    </p:spTree>
+    <p:extLst>
+      <p:ext uri="{BB962C8B-B14F-4D97-AF65-F5344CB8AC3E}">
+        <p14:creationId xmlns:p14="http://schemas.microsoft.com/office/powerpoint/2010/main" val="307979137"/>
       </p:ext>
     </p:extLst>
   </p:cSld>
@@ -25656,7 +27954,7 @@
           </a:ln>
           <a:extLst>
             <a:ext uri="{C572A759-6A51-4108-AA02-DFA0A04FC94B}">
-              <ma14:wrappingTextBoxFlag xmlns="" xmlns:ma14="http://schemas.microsoft.com/office/mac/drawingml/2011/main" val="1"/>
+              <ma14:wrappingTextBoxFlag xmlns:ma14="http://schemas.microsoft.com/office/mac/drawingml/2011/main" xmlns="" val="1"/>
             </a:ext>
           </a:extLst>
         </p:spPr>
@@ -26293,12 +28591,6 @@
               <a:t>vide</a:t>
             </a:r>
           </a:p>
-          <a:p>
-            <a:r>
-              <a:rPr lang="fr-FR" sz="4400" dirty="0"/>
-              <a:t>Score : note attribuée au post par les utilisateurs</a:t>
-            </a:r>
-          </a:p>
         </p:txBody>
       </p:sp>
       <p:pic>
@@ -26323,7 +28615,7 @@
         </p:blipFill>
         <p:spPr>
           <a:xfrm>
-            <a:off x="19285797" y="3433536"/>
+            <a:off x="18243235" y="237800"/>
             <a:ext cx="2866694" cy="3797300"/>
           </a:xfrm>
           <a:prstGeom prst="rect">
@@ -26396,6 +28688,176 @@
           </a:prstGeom>
         </p:spPr>
       </p:pic>
+      <p:sp>
+        <p:nvSpPr>
+          <p:cNvPr id="5" name="ZoneTexte 4">
+            <a:extLst>
+              <a:ext uri="{FF2B5EF4-FFF2-40B4-BE49-F238E27FC236}">
+                <a16:creationId xmlns:a16="http://schemas.microsoft.com/office/drawing/2014/main" id="{0D146F13-1F94-6144-80F7-F182A69BDE72}"/>
+              </a:ext>
+            </a:extLst>
+          </p:cNvPr>
+          <p:cNvSpPr txBox="1"/>
+          <p:nvPr/>
+        </p:nvSpPr>
+        <p:spPr>
+          <a:xfrm>
+            <a:off x="14853614" y="4553858"/>
+            <a:ext cx="7405874" cy="1949252"/>
+          </a:xfrm>
+          <a:prstGeom prst="rect">
+            <a:avLst/>
+          </a:prstGeom>
+          <a:noFill/>
+          <a:ln w="12700" cap="flat">
+            <a:noFill/>
+            <a:miter lim="400000"/>
+          </a:ln>
+          <a:effectLst/>
+          <a:sp3d/>
+        </p:spPr>
+        <p:style>
+          <a:lnRef idx="0">
+            <a:scrgbClr r="0" g="0" b="0"/>
+          </a:lnRef>
+          <a:fillRef idx="0">
+            <a:scrgbClr r="0" g="0" b="0"/>
+          </a:fillRef>
+          <a:effectRef idx="0">
+            <a:scrgbClr r="0" g="0" b="0"/>
+          </a:effectRef>
+          <a:fontRef idx="none"/>
+        </p:style>
+        <p:txBody>
+          <a:bodyPr rot="0" spcFirstLastPara="1" vertOverflow="overflow" horzOverflow="overflow" vert="horz" wrap="none" lIns="50800" tIns="50800" rIns="50800" bIns="50800" numCol="1" spcCol="38100" rtlCol="0" anchor="ctr">
+            <a:spAutoFit/>
+          </a:bodyPr>
+          <a:lstStyle/>
+          <a:p>
+            <a:pPr marL="0" marR="0" indent="0" algn="l" defTabSz="825500" rtl="0" fontAlgn="auto" latinLnBrk="0" hangingPunct="0">
+              <a:lnSpc>
+                <a:spcPct val="100000"/>
+              </a:lnSpc>
+              <a:spcBef>
+                <a:spcPts val="0"/>
+              </a:spcBef>
+              <a:spcAft>
+                <a:spcPts val="0"/>
+              </a:spcAft>
+              <a:buClrTx/>
+              <a:buSzTx/>
+              <a:buFontTx/>
+              <a:buNone/>
+              <a:tabLst/>
+            </a:pPr>
+            <a:r>
+              <a:rPr kumimoji="0" lang="fr-FR" sz="4000" b="0" i="0" u="none" strike="noStrike" cap="none" spc="0" normalizeH="0" baseline="0" dirty="0">
+                <a:ln>
+                  <a:noFill/>
+                </a:ln>
+                <a:solidFill>
+                  <a:srgbClr val="000000"/>
+                </a:solidFill>
+                <a:effectLst/>
+                <a:uFillTx/>
+                <a:latin typeface="Helvetica" pitchFamily="2" charset="0"/>
+                <a:sym typeface="Helvetica Light"/>
+              </a:rPr>
+              <a:t>Nombre de caractères moyens :</a:t>
+            </a:r>
+          </a:p>
+          <a:p>
+            <a:pPr marL="571500" marR="0" indent="-571500" algn="l" defTabSz="825500" rtl="0" fontAlgn="auto" latinLnBrk="0" hangingPunct="0">
+              <a:lnSpc>
+                <a:spcPct val="100000"/>
+              </a:lnSpc>
+              <a:spcBef>
+                <a:spcPts val="0"/>
+              </a:spcBef>
+              <a:spcAft>
+                <a:spcPts val="0"/>
+              </a:spcAft>
+              <a:buClrTx/>
+              <a:buSzTx/>
+              <a:buFont typeface="Arial" panose="020B0604020202020204" pitchFamily="34" charset="0"/>
+              <a:buChar char="•"/>
+              <a:tabLst/>
+            </a:pPr>
+            <a:r>
+              <a:rPr kumimoji="0" lang="fr-FR" sz="4000" i="0" u="none" strike="noStrike" cap="none" spc="0" normalizeH="0" baseline="0" dirty="0">
+                <a:ln>
+                  <a:noFill/>
+                </a:ln>
+                <a:solidFill>
+                  <a:srgbClr val="000000"/>
+                </a:solidFill>
+                <a:effectLst/>
+                <a:uFillTx/>
+                <a:latin typeface="Helvetica" pitchFamily="2" charset="0"/>
+                <a:sym typeface="Helvetica Light"/>
+              </a:rPr>
+              <a:t>TITLE</a:t>
+            </a:r>
+            <a:r>
+              <a:rPr kumimoji="0" lang="fr-FR" sz="4000" b="1" i="0" u="none" strike="noStrike" cap="none" spc="0" normalizeH="0" baseline="0" dirty="0">
+                <a:ln>
+                  <a:noFill/>
+                </a:ln>
+                <a:solidFill>
+                  <a:srgbClr val="000000"/>
+                </a:solidFill>
+                <a:effectLst/>
+                <a:uFillTx/>
+                <a:latin typeface="Helvetica" pitchFamily="2" charset="0"/>
+                <a:sym typeface="Helvetica Light"/>
+              </a:rPr>
+              <a:t> :       56</a:t>
+            </a:r>
+          </a:p>
+          <a:p>
+            <a:pPr marL="571500" marR="0" indent="-571500" algn="l" defTabSz="825500" rtl="0" fontAlgn="auto" latinLnBrk="0" hangingPunct="0">
+              <a:lnSpc>
+                <a:spcPct val="100000"/>
+              </a:lnSpc>
+              <a:spcBef>
+                <a:spcPts val="0"/>
+              </a:spcBef>
+              <a:spcAft>
+                <a:spcPts val="0"/>
+              </a:spcAft>
+              <a:buClrTx/>
+              <a:buSzTx/>
+              <a:buFont typeface="Arial" panose="020B0604020202020204" pitchFamily="34" charset="0"/>
+              <a:buChar char="•"/>
+              <a:tabLst/>
+            </a:pPr>
+            <a:r>
+              <a:rPr lang="fr-FR" sz="4000" dirty="0">
+                <a:latin typeface="Helvetica" pitchFamily="2" charset="0"/>
+              </a:rPr>
+              <a:t>BODY</a:t>
+            </a:r>
+            <a:r>
+              <a:rPr lang="fr-FR" sz="4000" b="1" dirty="0">
+                <a:latin typeface="Helvetica" pitchFamily="2" charset="0"/>
+              </a:rPr>
+              <a:t> :   1780</a:t>
+            </a:r>
+            <a:endParaRPr kumimoji="0" lang="fr-FR" sz="4000" b="1" i="0" u="none" strike="noStrike" cap="none" spc="0" normalizeH="0" baseline="0" dirty="0">
+              <a:ln>
+                <a:noFill/>
+              </a:ln>
+              <a:solidFill>
+                <a:srgbClr val="000000"/>
+              </a:solidFill>
+              <a:effectLst/>
+              <a:uFillTx/>
+              <a:latin typeface="Helvetica" pitchFamily="2" charset="0"/>
+              <a:sym typeface="Helvetica Light"/>
+            </a:endParaRPr>
+          </a:p>
+        </p:txBody>
+      </p:sp>
     </p:spTree>
     <p:extLst>
       <p:ext uri="{BB962C8B-B14F-4D97-AF65-F5344CB8AC3E}">
@@ -28647,7 +31109,7 @@
           </a:ln>
           <a:extLst>
             <a:ext uri="{C572A759-6A51-4108-AA02-DFA0A04FC94B}">
-              <ma14:wrappingTextBoxFlag xmlns="" xmlns:ma14="http://schemas.microsoft.com/office/mac/drawingml/2011/main" val="1"/>
+              <ma14:wrappingTextBoxFlag xmlns:ma14="http://schemas.microsoft.com/office/mac/drawingml/2011/main" xmlns="" val="1"/>
             </a:ext>
           </a:extLst>
         </p:spPr>
